--- a/ppt/spring-security-easy-in-02.pptx
+++ b/ppt/spring-security-easy-in-02.pptx
@@ -302,7 +302,7 @@
             <a:fld id="{530820CF-B880-4189-942D-D702A7CBA730}" type="datetimeFigureOut">
               <a:rPr lang="zh-CN" altLang="en-US" smtClean="0"/>
               <a:pPr/>
-              <a:t>2018/11/8</a:t>
+              <a:t>2018/11/16</a:t>
             </a:fld>
             <a:endParaRPr lang="zh-CN" altLang="en-US"/>
           </a:p>
@@ -469,7 +469,7 @@
             <a:fld id="{530820CF-B880-4189-942D-D702A7CBA730}" type="datetimeFigureOut">
               <a:rPr lang="zh-CN" altLang="en-US" smtClean="0"/>
               <a:pPr/>
-              <a:t>2018/11/8</a:t>
+              <a:t>2018/11/16</a:t>
             </a:fld>
             <a:endParaRPr lang="zh-CN" altLang="en-US"/>
           </a:p>
@@ -646,7 +646,7 @@
             <a:fld id="{530820CF-B880-4189-942D-D702A7CBA730}" type="datetimeFigureOut">
               <a:rPr lang="zh-CN" altLang="en-US" smtClean="0"/>
               <a:pPr/>
-              <a:t>2018/11/8</a:t>
+              <a:t>2018/11/16</a:t>
             </a:fld>
             <a:endParaRPr lang="zh-CN" altLang="en-US"/>
           </a:p>
@@ -813,7 +813,7 @@
             <a:fld id="{530820CF-B880-4189-942D-D702A7CBA730}" type="datetimeFigureOut">
               <a:rPr lang="zh-CN" altLang="en-US" smtClean="0"/>
               <a:pPr/>
-              <a:t>2018/11/8</a:t>
+              <a:t>2018/11/16</a:t>
             </a:fld>
             <a:endParaRPr lang="zh-CN" altLang="en-US"/>
           </a:p>
@@ -1056,7 +1056,7 @@
             <a:fld id="{530820CF-B880-4189-942D-D702A7CBA730}" type="datetimeFigureOut">
               <a:rPr lang="zh-CN" altLang="en-US" smtClean="0"/>
               <a:pPr/>
-              <a:t>2018/11/8</a:t>
+              <a:t>2018/11/16</a:t>
             </a:fld>
             <a:endParaRPr lang="zh-CN" altLang="en-US"/>
           </a:p>
@@ -1341,7 +1341,7 @@
             <a:fld id="{530820CF-B880-4189-942D-D702A7CBA730}" type="datetimeFigureOut">
               <a:rPr lang="zh-CN" altLang="en-US" smtClean="0"/>
               <a:pPr/>
-              <a:t>2018/11/8</a:t>
+              <a:t>2018/11/16</a:t>
             </a:fld>
             <a:endParaRPr lang="zh-CN" altLang="en-US"/>
           </a:p>
@@ -1760,7 +1760,7 @@
             <a:fld id="{530820CF-B880-4189-942D-D702A7CBA730}" type="datetimeFigureOut">
               <a:rPr lang="zh-CN" altLang="en-US" smtClean="0"/>
               <a:pPr/>
-              <a:t>2018/11/8</a:t>
+              <a:t>2018/11/16</a:t>
             </a:fld>
             <a:endParaRPr lang="zh-CN" altLang="en-US"/>
           </a:p>
@@ -1875,7 +1875,7 @@
             <a:fld id="{530820CF-B880-4189-942D-D702A7CBA730}" type="datetimeFigureOut">
               <a:rPr lang="zh-CN" altLang="en-US" smtClean="0"/>
               <a:pPr/>
-              <a:t>2018/11/8</a:t>
+              <a:t>2018/11/16</a:t>
             </a:fld>
             <a:endParaRPr lang="zh-CN" altLang="en-US"/>
           </a:p>
@@ -1967,7 +1967,7 @@
             <a:fld id="{530820CF-B880-4189-942D-D702A7CBA730}" type="datetimeFigureOut">
               <a:rPr lang="zh-CN" altLang="en-US" smtClean="0"/>
               <a:pPr/>
-              <a:t>2018/11/8</a:t>
+              <a:t>2018/11/16</a:t>
             </a:fld>
             <a:endParaRPr lang="zh-CN" altLang="en-US"/>
           </a:p>
@@ -2241,7 +2241,7 @@
             <a:fld id="{530820CF-B880-4189-942D-D702A7CBA730}" type="datetimeFigureOut">
               <a:rPr lang="zh-CN" altLang="en-US" smtClean="0"/>
               <a:pPr/>
-              <a:t>2018/11/8</a:t>
+              <a:t>2018/11/16</a:t>
             </a:fld>
             <a:endParaRPr lang="zh-CN" altLang="en-US"/>
           </a:p>
@@ -2491,7 +2491,7 @@
             <a:fld id="{530820CF-B880-4189-942D-D702A7CBA730}" type="datetimeFigureOut">
               <a:rPr lang="zh-CN" altLang="en-US" smtClean="0"/>
               <a:pPr/>
-              <a:t>2018/11/8</a:t>
+              <a:t>2018/11/16</a:t>
             </a:fld>
             <a:endParaRPr lang="zh-CN" altLang="en-US"/>
           </a:p>
@@ -2706,7 +2706,7 @@
             <a:fld id="{530820CF-B880-4189-942D-D702A7CBA730}" type="datetimeFigureOut">
               <a:rPr lang="zh-CN" altLang="en-US" smtClean="0"/>
               <a:pPr/>
-              <a:t>2018/11/8</a:t>
+              <a:t>2018/11/16</a:t>
             </a:fld>
             <a:endParaRPr lang="zh-CN" altLang="en-US"/>
           </a:p>
@@ -3409,20 +3409,7 @@
                 <a:latin typeface="华文楷体" pitchFamily="2" charset="-122"/>
                 <a:ea typeface="华文楷体" pitchFamily="2" charset="-122"/>
               </a:rPr>
-              <a:t>实现：定义</a:t>
-            </a:r>
-            <a:r>
-              <a:rPr lang="zh-CN" altLang="en-US" sz="3200" b="1" dirty="0" smtClean="0">
-                <a:solidFill>
-                  <a:schemeClr val="tx1">
-                    <a:lumMod val="75000"/>
-                    <a:lumOff val="25000"/>
-                  </a:schemeClr>
-                </a:solidFill>
-                <a:latin typeface="华文楷体" pitchFamily="2" charset="-122"/>
-                <a:ea typeface="华文楷体" pitchFamily="2" charset="-122"/>
-              </a:rPr>
-              <a:t>一个管理员，它里面包含多个投票者，一次取出一个投票者进行投票，如果投的是通过，则做出允许访问的决定；如果投的是拒绝，则做出拒绝访问的决定；如果投的是弃权，则取出下一个投票者进行投票。</a:t>
+              <a:t>实现：定义一个管理员，它里面包含多个投票者，一次取出一个投票者进行投票，如果投的是通过，则做出允许访问的决定；如果投的是拒绝，则做出拒绝访问的决定；如果投的是弃权，则取出下一个投票者进行投票。</a:t>
             </a:r>
             <a:endParaRPr lang="en-US" altLang="zh-CN" sz="3200" b="1" dirty="0" smtClean="0">
               <a:solidFill>
@@ -3445,9 +3432,158 @@
   <p:timing>
     <p:tnLst>
       <p:par>
-        <p:cTn id="1" dur="indefinite" restart="never" nodeType="tmRoot"/>
+        <p:cTn id="1" dur="indefinite" restart="never" nodeType="tmRoot">
+          <p:childTnLst>
+            <p:seq concurrent="1" nextAc="seek">
+              <p:cTn id="2" dur="indefinite" nodeType="mainSeq">
+                <p:childTnLst>
+                  <p:par>
+                    <p:cTn id="3" fill="hold">
+                      <p:stCondLst>
+                        <p:cond delay="indefinite"/>
+                      </p:stCondLst>
+                      <p:childTnLst>
+                        <p:par>
+                          <p:cTn id="4" fill="hold">
+                            <p:stCondLst>
+                              <p:cond delay="0"/>
+                            </p:stCondLst>
+                            <p:childTnLst>
+                              <p:par>
+                                <p:cTn id="5" presetID="22" presetClass="entr" presetSubtype="4" fill="hold" grpId="0" nodeType="clickEffect">
+                                  <p:stCondLst>
+                                    <p:cond delay="0"/>
+                                  </p:stCondLst>
+                                  <p:childTnLst>
+                                    <p:set>
+                                      <p:cBhvr>
+                                        <p:cTn id="6" dur="1" fill="hold">
+                                          <p:stCondLst>
+                                            <p:cond delay="0"/>
+                                          </p:stCondLst>
+                                        </p:cTn>
+                                        <p:tgtEl>
+                                          <p:spTgt spid="6">
+                                            <p:txEl>
+                                              <p:pRg st="0" end="0"/>
+                                            </p:txEl>
+                                          </p:spTgt>
+                                        </p:tgtEl>
+                                        <p:attrNameLst>
+                                          <p:attrName>style.visibility</p:attrName>
+                                        </p:attrNameLst>
+                                      </p:cBhvr>
+                                      <p:to>
+                                        <p:strVal val="visible"/>
+                                      </p:to>
+                                    </p:set>
+                                    <p:animEffect transition="in" filter="wipe(down)">
+                                      <p:cBhvr>
+                                        <p:cTn id="7" dur="500"/>
+                                        <p:tgtEl>
+                                          <p:spTgt spid="6">
+                                            <p:txEl>
+                                              <p:pRg st="0" end="0"/>
+                                            </p:txEl>
+                                          </p:spTgt>
+                                        </p:tgtEl>
+                                      </p:cBhvr>
+                                    </p:animEffect>
+                                  </p:childTnLst>
+                                </p:cTn>
+                              </p:par>
+                            </p:childTnLst>
+                          </p:cTn>
+                        </p:par>
+                      </p:childTnLst>
+                    </p:cTn>
+                  </p:par>
+                  <p:par>
+                    <p:cTn id="8" fill="hold">
+                      <p:stCondLst>
+                        <p:cond delay="indefinite"/>
+                      </p:stCondLst>
+                      <p:childTnLst>
+                        <p:par>
+                          <p:cTn id="9" fill="hold">
+                            <p:stCondLst>
+                              <p:cond delay="0"/>
+                            </p:stCondLst>
+                            <p:childTnLst>
+                              <p:par>
+                                <p:cTn id="10" presetID="22" presetClass="entr" presetSubtype="4" fill="hold" grpId="0" nodeType="clickEffect">
+                                  <p:stCondLst>
+                                    <p:cond delay="0"/>
+                                  </p:stCondLst>
+                                  <p:childTnLst>
+                                    <p:set>
+                                      <p:cBhvr>
+                                        <p:cTn id="11" dur="1" fill="hold">
+                                          <p:stCondLst>
+                                            <p:cond delay="0"/>
+                                          </p:stCondLst>
+                                        </p:cTn>
+                                        <p:tgtEl>
+                                          <p:spTgt spid="4">
+                                            <p:txEl>
+                                              <p:pRg st="0" end="0"/>
+                                            </p:txEl>
+                                          </p:spTgt>
+                                        </p:tgtEl>
+                                        <p:attrNameLst>
+                                          <p:attrName>style.visibility</p:attrName>
+                                        </p:attrNameLst>
+                                      </p:cBhvr>
+                                      <p:to>
+                                        <p:strVal val="visible"/>
+                                      </p:to>
+                                    </p:set>
+                                    <p:animEffect transition="in" filter="wipe(down)">
+                                      <p:cBhvr>
+                                        <p:cTn id="12" dur="500"/>
+                                        <p:tgtEl>
+                                          <p:spTgt spid="4">
+                                            <p:txEl>
+                                              <p:pRg st="0" end="0"/>
+                                            </p:txEl>
+                                          </p:spTgt>
+                                        </p:tgtEl>
+                                      </p:cBhvr>
+                                    </p:animEffect>
+                                  </p:childTnLst>
+                                </p:cTn>
+                              </p:par>
+                            </p:childTnLst>
+                          </p:cTn>
+                        </p:par>
+                      </p:childTnLst>
+                    </p:cTn>
+                  </p:par>
+                </p:childTnLst>
+              </p:cTn>
+              <p:prevCondLst>
+                <p:cond evt="onPrev" delay="0">
+                  <p:tgtEl>
+                    <p:sldTgt/>
+                  </p:tgtEl>
+                </p:cond>
+              </p:prevCondLst>
+              <p:nextCondLst>
+                <p:cond evt="onNext" delay="0">
+                  <p:tgtEl>
+                    <p:sldTgt/>
+                  </p:tgtEl>
+                </p:cond>
+              </p:nextCondLst>
+            </p:seq>
+          </p:childTnLst>
+        </p:cTn>
       </p:par>
     </p:tnLst>
+    <p:bldLst>
+      <p:bldP spid="4" grpId="0" build="allAtOnce"/>
+      <p:bldP spid="6" grpId="0" build="allAtOnce"/>
+    </p:bldLst>
   </p:timing>
 </p:sld>
 </file>
@@ -3816,7 +3952,7 @@
         <p:spPr>
           <a:xfrm>
             <a:off x="714348" y="1500174"/>
-            <a:ext cx="8001056" cy="2062103"/>
+            <a:ext cx="8001056" cy="1077218"/>
           </a:xfrm>
           <a:prstGeom prst="rect">
             <a:avLst/>
@@ -3874,7 +4010,20 @@
                 <a:latin typeface="华文楷体" pitchFamily="2" charset="-122"/>
                 <a:ea typeface="华文楷体" pitchFamily="2" charset="-122"/>
               </a:rPr>
-              <a:t>等。</a:t>
+              <a:t>等</a:t>
+            </a:r>
+            <a:r>
+              <a:rPr lang="zh-CN" altLang="en-US" sz="3200" b="1" dirty="0" smtClean="0">
+                <a:solidFill>
+                  <a:schemeClr val="tx1">
+                    <a:lumMod val="75000"/>
+                    <a:lumOff val="25000"/>
+                  </a:schemeClr>
+                </a:solidFill>
+                <a:latin typeface="华文楷体" pitchFamily="2" charset="-122"/>
+                <a:ea typeface="华文楷体" pitchFamily="2" charset="-122"/>
+              </a:rPr>
+              <a:t>。</a:t>
             </a:r>
             <a:endParaRPr lang="en-US" altLang="zh-CN" sz="3200" b="1" dirty="0" smtClean="0">
               <a:solidFill>
@@ -3887,6 +4036,29 @@
               <a:ea typeface="华文楷体" pitchFamily="2" charset="-122"/>
             </a:endParaRPr>
           </a:p>
+        </p:txBody>
+      </p:sp>
+      <p:sp>
+        <p:nvSpPr>
+          <p:cNvPr id="4" name="TextBox 3"/>
+          <p:cNvSpPr txBox="1"/>
+          <p:nvPr/>
+        </p:nvSpPr>
+        <p:spPr>
+          <a:xfrm>
+            <a:off x="714348" y="2637534"/>
+            <a:ext cx="8001056" cy="1077218"/>
+          </a:xfrm>
+          <a:prstGeom prst="rect">
+            <a:avLst/>
+          </a:prstGeom>
+          <a:noFill/>
+        </p:spPr>
+        <p:txBody>
+          <a:bodyPr wrap="square" rtlCol="0">
+            <a:spAutoFit/>
+          </a:bodyPr>
+          <a:lstStyle/>
           <a:p>
             <a:r>
               <a:rPr lang="zh-CN" altLang="en-US" sz="3200" b="1" dirty="0" smtClean="0">
@@ -3899,7 +4071,20 @@
                 <a:latin typeface="华文楷体" pitchFamily="2" charset="-122"/>
                 <a:ea typeface="华文楷体" pitchFamily="2" charset="-122"/>
               </a:rPr>
-              <a:t>实现：定义一个投票者，当检测到这些内建权限时，按要求进行投票即可。</a:t>
+              <a:t>实现</a:t>
+            </a:r>
+            <a:r>
+              <a:rPr lang="zh-CN" altLang="en-US" sz="3200" b="1" dirty="0" smtClean="0">
+                <a:solidFill>
+                  <a:schemeClr val="tx1">
+                    <a:lumMod val="75000"/>
+                    <a:lumOff val="25000"/>
+                  </a:schemeClr>
+                </a:solidFill>
+                <a:latin typeface="华文楷体" pitchFamily="2" charset="-122"/>
+                <a:ea typeface="华文楷体" pitchFamily="2" charset="-122"/>
+              </a:rPr>
+              <a:t>：定义一个投票者，当检测到这些内建权限时，按要求进行投票即可。</a:t>
             </a:r>
             <a:endParaRPr lang="en-US" altLang="zh-CN" sz="3200" b="1" dirty="0" smtClean="0">
               <a:solidFill>
@@ -3922,9 +4107,96 @@
   <p:timing>
     <p:tnLst>
       <p:par>
-        <p:cTn id="1" dur="indefinite" restart="never" nodeType="tmRoot"/>
+        <p:cTn id="1" dur="indefinite" restart="never" nodeType="tmRoot">
+          <p:childTnLst>
+            <p:seq concurrent="1" nextAc="seek">
+              <p:cTn id="2" dur="indefinite" nodeType="mainSeq">
+                <p:childTnLst>
+                  <p:par>
+                    <p:cTn id="3" fill="hold">
+                      <p:stCondLst>
+                        <p:cond delay="indefinite"/>
+                      </p:stCondLst>
+                      <p:childTnLst>
+                        <p:par>
+                          <p:cTn id="4" fill="hold">
+                            <p:stCondLst>
+                              <p:cond delay="0"/>
+                            </p:stCondLst>
+                            <p:childTnLst>
+                              <p:par>
+                                <p:cTn id="5" presetID="22" presetClass="entr" presetSubtype="4" fill="hold" grpId="0" nodeType="clickEffect">
+                                  <p:stCondLst>
+                                    <p:cond delay="0"/>
+                                  </p:stCondLst>
+                                  <p:childTnLst>
+                                    <p:set>
+                                      <p:cBhvr>
+                                        <p:cTn id="6" dur="1" fill="hold">
+                                          <p:stCondLst>
+                                            <p:cond delay="0"/>
+                                          </p:stCondLst>
+                                        </p:cTn>
+                                        <p:tgtEl>
+                                          <p:spTgt spid="4">
+                                            <p:txEl>
+                                              <p:pRg st="0" end="0"/>
+                                            </p:txEl>
+                                          </p:spTgt>
+                                        </p:tgtEl>
+                                        <p:attrNameLst>
+                                          <p:attrName>style.visibility</p:attrName>
+                                        </p:attrNameLst>
+                                      </p:cBhvr>
+                                      <p:to>
+                                        <p:strVal val="visible"/>
+                                      </p:to>
+                                    </p:set>
+                                    <p:animEffect transition="in" filter="wipe(down)">
+                                      <p:cBhvr>
+                                        <p:cTn id="7" dur="500"/>
+                                        <p:tgtEl>
+                                          <p:spTgt spid="4">
+                                            <p:txEl>
+                                              <p:pRg st="0" end="0"/>
+                                            </p:txEl>
+                                          </p:spTgt>
+                                        </p:tgtEl>
+                                      </p:cBhvr>
+                                    </p:animEffect>
+                                  </p:childTnLst>
+                                </p:cTn>
+                              </p:par>
+                            </p:childTnLst>
+                          </p:cTn>
+                        </p:par>
+                      </p:childTnLst>
+                    </p:cTn>
+                  </p:par>
+                </p:childTnLst>
+              </p:cTn>
+              <p:prevCondLst>
+                <p:cond evt="onPrev" delay="0">
+                  <p:tgtEl>
+                    <p:sldTgt/>
+                  </p:tgtEl>
+                </p:cond>
+              </p:prevCondLst>
+              <p:nextCondLst>
+                <p:cond evt="onNext" delay="0">
+                  <p:tgtEl>
+                    <p:sldTgt/>
+                  </p:tgtEl>
+                </p:cond>
+              </p:nextCondLst>
+            </p:seq>
+          </p:childTnLst>
+        </p:cTn>
       </p:par>
     </p:tnLst>
+    <p:bldLst>
+      <p:bldP spid="4" grpId="0" build="allAtOnce"/>
+    </p:bldLst>
   </p:timing>
 </p:sld>
 </file>
@@ -4042,7 +4314,7 @@
         <p:spPr>
           <a:xfrm>
             <a:off x="714348" y="1500174"/>
-            <a:ext cx="8001056" cy="4031873"/>
+            <a:ext cx="8001056" cy="1569660"/>
           </a:xfrm>
           <a:prstGeom prst="rect">
             <a:avLst/>
@@ -4103,7 +4375,11 @@
             </a:r>
             <a:r>
               <a:rPr lang="en-US" altLang="zh-CN" sz="3200" dirty="0" smtClean="0"/>
-              <a:t>(‘ROLE_A’, ‘ROLE_B’)</a:t>
+              <a:t>(‘ROLE_A’, ‘ROLE_B</a:t>
+            </a:r>
+            <a:r>
+              <a:rPr lang="en-US" altLang="zh-CN" sz="3200" dirty="0" smtClean="0"/>
+              <a:t>’)</a:t>
             </a:r>
             <a:endParaRPr lang="en-US" altLang="zh-CN" sz="3200" b="1" dirty="0" smtClean="0">
               <a:solidFill>
@@ -4116,6 +4392,29 @@
               <a:ea typeface="华文楷体" pitchFamily="2" charset="-122"/>
             </a:endParaRPr>
           </a:p>
+        </p:txBody>
+      </p:sp>
+      <p:sp>
+        <p:nvSpPr>
+          <p:cNvPr id="4" name="TextBox 3"/>
+          <p:cNvSpPr txBox="1"/>
+          <p:nvPr/>
+        </p:nvSpPr>
+        <p:spPr>
+          <a:xfrm>
+            <a:off x="714348" y="3160471"/>
+            <a:ext cx="8001056" cy="2554545"/>
+          </a:xfrm>
+          <a:prstGeom prst="rect">
+            <a:avLst/>
+          </a:prstGeom>
+          <a:noFill/>
+        </p:spPr>
+        <p:txBody>
+          <a:bodyPr wrap="square" rtlCol="0">
+            <a:spAutoFit/>
+          </a:bodyPr>
+          <a:lstStyle/>
           <a:p>
             <a:r>
               <a:rPr lang="zh-CN" altLang="en-US" sz="3200" b="1" dirty="0" smtClean="0">
@@ -4128,7 +4427,20 @@
                 <a:latin typeface="华文楷体" pitchFamily="2" charset="-122"/>
                 <a:ea typeface="华文楷体" pitchFamily="2" charset="-122"/>
               </a:rPr>
-              <a:t>实现：在前面那个基于角色的投票者里，获取角色表达式，从中解析出角色字符串，去用户具有的角色集合里比对。有则投通过，允许访问；无则投弃权，让后续投票者继续投票</a:t>
+              <a:t>实现</a:t>
+            </a:r>
+            <a:r>
+              <a:rPr lang="zh-CN" altLang="en-US" sz="3200" b="1" dirty="0" smtClean="0">
+                <a:solidFill>
+                  <a:schemeClr val="tx1">
+                    <a:lumMod val="75000"/>
+                    <a:lumOff val="25000"/>
+                  </a:schemeClr>
+                </a:solidFill>
+                <a:latin typeface="华文楷体" pitchFamily="2" charset="-122"/>
+                <a:ea typeface="华文楷体" pitchFamily="2" charset="-122"/>
+              </a:rPr>
+              <a:t>：在前面那个基于角色的投票者里，获取角色表达式，从中解析出角色字符串，去用户具有的角色集合里比对。有则投通过，允许访问；无则投弃权，让后续投票者继续投票</a:t>
             </a:r>
             <a:endParaRPr lang="en-US" altLang="zh-CN" sz="3200" b="1" dirty="0" smtClean="0">
               <a:solidFill>
@@ -4151,9 +4463,96 @@
   <p:timing>
     <p:tnLst>
       <p:par>
-        <p:cTn id="1" dur="indefinite" restart="never" nodeType="tmRoot"/>
+        <p:cTn id="1" dur="indefinite" restart="never" nodeType="tmRoot">
+          <p:childTnLst>
+            <p:seq concurrent="1" nextAc="seek">
+              <p:cTn id="2" dur="indefinite" nodeType="mainSeq">
+                <p:childTnLst>
+                  <p:par>
+                    <p:cTn id="3" fill="hold">
+                      <p:stCondLst>
+                        <p:cond delay="indefinite"/>
+                      </p:stCondLst>
+                      <p:childTnLst>
+                        <p:par>
+                          <p:cTn id="4" fill="hold">
+                            <p:stCondLst>
+                              <p:cond delay="0"/>
+                            </p:stCondLst>
+                            <p:childTnLst>
+                              <p:par>
+                                <p:cTn id="5" presetID="22" presetClass="entr" presetSubtype="4" fill="hold" grpId="0" nodeType="clickEffect">
+                                  <p:stCondLst>
+                                    <p:cond delay="0"/>
+                                  </p:stCondLst>
+                                  <p:childTnLst>
+                                    <p:set>
+                                      <p:cBhvr>
+                                        <p:cTn id="6" dur="1" fill="hold">
+                                          <p:stCondLst>
+                                            <p:cond delay="0"/>
+                                          </p:stCondLst>
+                                        </p:cTn>
+                                        <p:tgtEl>
+                                          <p:spTgt spid="4">
+                                            <p:txEl>
+                                              <p:pRg st="0" end="0"/>
+                                            </p:txEl>
+                                          </p:spTgt>
+                                        </p:tgtEl>
+                                        <p:attrNameLst>
+                                          <p:attrName>style.visibility</p:attrName>
+                                        </p:attrNameLst>
+                                      </p:cBhvr>
+                                      <p:to>
+                                        <p:strVal val="visible"/>
+                                      </p:to>
+                                    </p:set>
+                                    <p:animEffect transition="in" filter="wipe(down)">
+                                      <p:cBhvr>
+                                        <p:cTn id="7" dur="500"/>
+                                        <p:tgtEl>
+                                          <p:spTgt spid="4">
+                                            <p:txEl>
+                                              <p:pRg st="0" end="0"/>
+                                            </p:txEl>
+                                          </p:spTgt>
+                                        </p:tgtEl>
+                                      </p:cBhvr>
+                                    </p:animEffect>
+                                  </p:childTnLst>
+                                </p:cTn>
+                              </p:par>
+                            </p:childTnLst>
+                          </p:cTn>
+                        </p:par>
+                      </p:childTnLst>
+                    </p:cTn>
+                  </p:par>
+                </p:childTnLst>
+              </p:cTn>
+              <p:prevCondLst>
+                <p:cond evt="onPrev" delay="0">
+                  <p:tgtEl>
+                    <p:sldTgt/>
+                  </p:tgtEl>
+                </p:cond>
+              </p:prevCondLst>
+              <p:nextCondLst>
+                <p:cond evt="onNext" delay="0">
+                  <p:tgtEl>
+                    <p:sldTgt/>
+                  </p:tgtEl>
+                </p:cond>
+              </p:nextCondLst>
+            </p:seq>
+          </p:childTnLst>
+        </p:cTn>
       </p:par>
     </p:tnLst>
+    <p:bldLst>
+      <p:bldP spid="4" grpId="0" build="allAtOnce"/>
+    </p:bldLst>
   </p:timing>
 </p:sld>
 </file>
@@ -4282,20 +4681,7 @@
                 <a:latin typeface="华文楷体" pitchFamily="2" charset="-122"/>
                 <a:ea typeface="华文楷体" pitchFamily="2" charset="-122"/>
               </a:rPr>
-              <a:t>和角色（权限）的对应关系</a:t>
-            </a:r>
-            <a:r>
-              <a:rPr lang="zh-CN" altLang="en-US" sz="3200" b="1" dirty="0" smtClean="0">
-                <a:solidFill>
-                  <a:schemeClr val="tx1">
-                    <a:lumMod val="75000"/>
-                    <a:lumOff val="25000"/>
-                  </a:schemeClr>
-                </a:solidFill>
-                <a:latin typeface="华文楷体" pitchFamily="2" charset="-122"/>
-                <a:ea typeface="华文楷体" pitchFamily="2" charset="-122"/>
-              </a:rPr>
-              <a:t>应该动态加载</a:t>
+              <a:t>和角色（权限）的对应关系应该动态加载</a:t>
             </a:r>
             <a:endParaRPr lang="en-US" altLang="zh-CN" sz="3200" b="1" dirty="0" smtClean="0">
               <a:solidFill>
@@ -4412,7 +4798,7 @@
         <p:spPr>
           <a:xfrm>
             <a:off x="714348" y="1500174"/>
-            <a:ext cx="7929618" cy="1077218"/>
+            <a:ext cx="7929618" cy="584775"/>
           </a:xfrm>
           <a:prstGeom prst="rect">
             <a:avLst/>
@@ -4475,6 +4861,29 @@
               <a:ea typeface="华文楷体" pitchFamily="2" charset="-122"/>
             </a:endParaRPr>
           </a:p>
+        </p:txBody>
+      </p:sp>
+      <p:sp>
+        <p:nvSpPr>
+          <p:cNvPr id="4" name="TextBox 3"/>
+          <p:cNvSpPr txBox="1"/>
+          <p:nvPr/>
+        </p:nvSpPr>
+        <p:spPr>
+          <a:xfrm>
+            <a:off x="714348" y="2214554"/>
+            <a:ext cx="7929618" cy="584775"/>
+          </a:xfrm>
+          <a:prstGeom prst="rect">
+            <a:avLst/>
+          </a:prstGeom>
+          <a:noFill/>
+        </p:spPr>
+        <p:txBody>
+          <a:bodyPr wrap="square" rtlCol="0">
+            <a:spAutoFit/>
+          </a:bodyPr>
+          <a:lstStyle/>
           <a:p>
             <a:r>
               <a:rPr lang="en-US" altLang="zh-CN" sz="3200" b="1" dirty="0" err="1" smtClean="0">
@@ -4500,72 +4909,7 @@
                 <a:latin typeface="华文楷体" pitchFamily="2" charset="-122"/>
                 <a:ea typeface="华文楷体" pitchFamily="2" charset="-122"/>
               </a:rPr>
-              <a:t>和</a:t>
-            </a:r>
-            <a:r>
-              <a:rPr lang="zh-CN" altLang="en-US" sz="3200" b="1" dirty="0" smtClean="0">
-                <a:solidFill>
-                  <a:schemeClr val="tx1">
-                    <a:lumMod val="75000"/>
-                    <a:lumOff val="25000"/>
-                  </a:schemeClr>
-                </a:solidFill>
-                <a:latin typeface="华文楷体" pitchFamily="2" charset="-122"/>
-                <a:ea typeface="华文楷体" pitchFamily="2" charset="-122"/>
-              </a:rPr>
-              <a:t>角色（权限）的</a:t>
-            </a:r>
-            <a:r>
-              <a:rPr lang="zh-CN" altLang="en-US" sz="3200" b="1" dirty="0" smtClean="0">
-                <a:solidFill>
-                  <a:schemeClr val="tx1">
-                    <a:lumMod val="75000"/>
-                    <a:lumOff val="25000"/>
-                  </a:schemeClr>
-                </a:solidFill>
-                <a:latin typeface="华文楷体" pitchFamily="2" charset="-122"/>
-                <a:ea typeface="华文楷体" pitchFamily="2" charset="-122"/>
-              </a:rPr>
-              <a:t>对应关系</a:t>
-            </a:r>
-            <a:r>
-              <a:rPr lang="zh-CN" altLang="en-US" sz="3200" b="1" dirty="0" smtClean="0">
-                <a:solidFill>
-                  <a:schemeClr val="tx1">
-                    <a:lumMod val="75000"/>
-                    <a:lumOff val="25000"/>
-                  </a:schemeClr>
-                </a:solidFill>
-                <a:latin typeface="华文楷体" pitchFamily="2" charset="-122"/>
-                <a:ea typeface="华文楷体" pitchFamily="2" charset="-122"/>
-              </a:rPr>
-              <a:t>应该</a:t>
-            </a:r>
-            <a:r>
-              <a:rPr lang="zh-CN" altLang="en-US" sz="3200" b="1" dirty="0" smtClean="0">
-                <a:solidFill>
-                  <a:schemeClr val="tx1">
-                    <a:lumMod val="75000"/>
-                    <a:lumOff val="25000"/>
-                  </a:schemeClr>
-                </a:solidFill>
-                <a:latin typeface="华文楷体" pitchFamily="2" charset="-122"/>
-                <a:ea typeface="华文楷体" pitchFamily="2" charset="-122"/>
-              </a:rPr>
-              <a:t>动态</a:t>
-            </a:r>
-            <a:r>
-              <a:rPr lang="zh-CN" altLang="en-US" sz="3200" b="1" dirty="0" smtClean="0">
-                <a:solidFill>
-                  <a:schemeClr val="tx1">
-                    <a:lumMod val="75000"/>
-                    <a:lumOff val="25000"/>
-                  </a:schemeClr>
-                </a:solidFill>
-                <a:latin typeface="华文楷体" pitchFamily="2" charset="-122"/>
-                <a:ea typeface="华文楷体" pitchFamily="2" charset="-122"/>
-              </a:rPr>
-              <a:t>加载</a:t>
+              <a:t>和角色（权限）的对应关系应该动态加载</a:t>
             </a:r>
             <a:endParaRPr lang="en-US" altLang="zh-CN" sz="3200" b="1" dirty="0" smtClean="0">
               <a:solidFill>
@@ -4682,7 +5026,7 @@
         <p:spPr>
           <a:xfrm>
             <a:off x="714348" y="1500174"/>
-            <a:ext cx="7929618" cy="4031873"/>
+            <a:ext cx="7929618" cy="1077218"/>
           </a:xfrm>
           <a:prstGeom prst="rect">
             <a:avLst/>
@@ -4757,6 +5101,29 @@
               <a:ea typeface="华文楷体" pitchFamily="2" charset="-122"/>
             </a:endParaRPr>
           </a:p>
+        </p:txBody>
+      </p:sp>
+      <p:sp>
+        <p:nvSpPr>
+          <p:cNvPr id="4" name="TextBox 3"/>
+          <p:cNvSpPr txBox="1"/>
+          <p:nvPr/>
+        </p:nvSpPr>
+        <p:spPr>
+          <a:xfrm>
+            <a:off x="714348" y="2643182"/>
+            <a:ext cx="7929618" cy="1077218"/>
+          </a:xfrm>
+          <a:prstGeom prst="rect">
+            <a:avLst/>
+          </a:prstGeom>
+          <a:noFill/>
+        </p:spPr>
+        <p:txBody>
+          <a:bodyPr wrap="square" rtlCol="0">
+            <a:spAutoFit/>
+          </a:bodyPr>
+          <a:lstStyle/>
           <a:p>
             <a:r>
               <a:rPr lang="zh-CN" altLang="en-US" sz="3200" b="1" dirty="0" smtClean="0">
@@ -4769,7 +5136,20 @@
                 <a:latin typeface="华文楷体" pitchFamily="2" charset="-122"/>
                 <a:ea typeface="华文楷体" pitchFamily="2" charset="-122"/>
               </a:rPr>
-              <a:t>问题：</a:t>
+              <a:t>问题</a:t>
+            </a:r>
+            <a:r>
+              <a:rPr lang="zh-CN" altLang="en-US" sz="3200" b="1" dirty="0" smtClean="0">
+                <a:solidFill>
+                  <a:schemeClr val="tx1">
+                    <a:lumMod val="75000"/>
+                    <a:lumOff val="25000"/>
+                  </a:schemeClr>
+                </a:solidFill>
+                <a:latin typeface="华文楷体" pitchFamily="2" charset="-122"/>
+                <a:ea typeface="华文楷体" pitchFamily="2" charset="-122"/>
+              </a:rPr>
+              <a:t>：</a:t>
             </a:r>
             <a:endParaRPr lang="en-US" altLang="zh-CN" sz="3200" b="1" dirty="0" smtClean="0">
               <a:solidFill>
@@ -4820,22 +5200,20 @@
                 <a:latin typeface="华文楷体" pitchFamily="2" charset="-122"/>
                 <a:ea typeface="华文楷体" pitchFamily="2" charset="-122"/>
               </a:rPr>
-              <a:t>whether or not allowed</a:t>
-            </a:r>
-          </a:p>
-          <a:p>
-            <a:r>
-              <a:rPr lang="zh-CN" altLang="en-US" sz="3200" b="1" dirty="0" smtClean="0">
-                <a:solidFill>
-                  <a:schemeClr val="tx1">
-                    <a:lumMod val="75000"/>
-                    <a:lumOff val="25000"/>
-                  </a:schemeClr>
-                </a:solidFill>
-                <a:latin typeface="华文楷体" pitchFamily="2" charset="-122"/>
-                <a:ea typeface="华文楷体" pitchFamily="2" charset="-122"/>
-              </a:rPr>
-              <a:t>实现：</a:t>
+              <a:t>whether or not </a:t>
+            </a:r>
+            <a:r>
+              <a:rPr lang="en-US" altLang="zh-CN" sz="3200" b="1" dirty="0" smtClean="0">
+                <a:solidFill>
+                  <a:schemeClr val="tx1">
+                    <a:lumMod val="75000"/>
+                    <a:lumOff val="25000"/>
+                  </a:schemeClr>
+                </a:solidFill>
+                <a:latin typeface="华文楷体" pitchFamily="2" charset="-122"/>
+                <a:ea typeface="华文楷体" pitchFamily="2" charset="-122"/>
+              </a:rPr>
+              <a:t>allowed</a:t>
             </a:r>
             <a:endParaRPr lang="en-US" altLang="zh-CN" sz="3200" b="1" dirty="0" smtClean="0">
               <a:solidFill>
@@ -4848,6 +5226,29 @@
               <a:ea typeface="华文楷体" pitchFamily="2" charset="-122"/>
             </a:endParaRPr>
           </a:p>
+        </p:txBody>
+      </p:sp>
+      <p:sp>
+        <p:nvSpPr>
+          <p:cNvPr id="7" name="TextBox 6"/>
+          <p:cNvSpPr txBox="1"/>
+          <p:nvPr/>
+        </p:nvSpPr>
+        <p:spPr>
+          <a:xfrm>
+            <a:off x="714348" y="3811036"/>
+            <a:ext cx="7929618" cy="2062103"/>
+          </a:xfrm>
+          <a:prstGeom prst="rect">
+            <a:avLst/>
+          </a:prstGeom>
+          <a:noFill/>
+        </p:spPr>
+        <p:txBody>
+          <a:bodyPr wrap="square" rtlCol="0">
+            <a:spAutoFit/>
+          </a:bodyPr>
+          <a:lstStyle/>
           <a:p>
             <a:r>
               <a:rPr lang="zh-CN" altLang="en-US" sz="3200" b="1" dirty="0" smtClean="0">
@@ -4860,20 +5261,7 @@
                 <a:latin typeface="华文楷体" pitchFamily="2" charset="-122"/>
                 <a:ea typeface="华文楷体" pitchFamily="2" charset="-122"/>
               </a:rPr>
-              <a:t>获取允许访问这个</a:t>
-            </a:r>
-            <a:r>
-              <a:rPr lang="en-US" altLang="zh-CN" sz="3200" b="1" dirty="0" err="1" smtClean="0">
-                <a:solidFill>
-                  <a:schemeClr val="tx1">
-                    <a:lumMod val="75000"/>
-                    <a:lumOff val="25000"/>
-                  </a:schemeClr>
-                </a:solidFill>
-                <a:latin typeface="华文楷体" pitchFamily="2" charset="-122"/>
-                <a:ea typeface="华文楷体" pitchFamily="2" charset="-122"/>
-              </a:rPr>
-              <a:t>url</a:t>
+              <a:t>实现</a:t>
             </a:r>
             <a:r>
               <a:rPr lang="zh-CN" altLang="en-US" sz="3200" b="1" dirty="0" smtClean="0">
@@ -4886,33 +5274,7 @@
                 <a:latin typeface="华文楷体" pitchFamily="2" charset="-122"/>
                 <a:ea typeface="华文楷体" pitchFamily="2" charset="-122"/>
               </a:rPr>
-              <a:t>的</a:t>
-            </a:r>
-            <a:r>
-              <a:rPr lang="zh-CN" altLang="en-US" sz="3200" b="1" dirty="0" smtClean="0">
-                <a:solidFill>
-                  <a:schemeClr val="tx1">
-                    <a:lumMod val="75000"/>
-                    <a:lumOff val="25000"/>
-                  </a:schemeClr>
-                </a:solidFill>
-                <a:latin typeface="华文楷体" pitchFamily="2" charset="-122"/>
-                <a:ea typeface="华文楷体" pitchFamily="2" charset="-122"/>
-              </a:rPr>
-              <a:t>一或多</a:t>
-            </a:r>
-            <a:r>
-              <a:rPr lang="zh-CN" altLang="en-US" sz="3200" b="1" dirty="0" smtClean="0">
-                <a:solidFill>
-                  <a:schemeClr val="tx1">
-                    <a:lumMod val="75000"/>
-                    <a:lumOff val="25000"/>
-                  </a:schemeClr>
-                </a:solidFill>
-                <a:latin typeface="华文楷体" pitchFamily="2" charset="-122"/>
-                <a:ea typeface="华文楷体" pitchFamily="2" charset="-122"/>
-              </a:rPr>
-              <a:t>个角色</a:t>
+              <a:t>：</a:t>
             </a:r>
             <a:endParaRPr lang="en-US" altLang="zh-CN" sz="3200" b="1" dirty="0" smtClean="0">
               <a:solidFill>
@@ -4937,7 +5299,20 @@
                 <a:latin typeface="华文楷体" pitchFamily="2" charset="-122"/>
                 <a:ea typeface="华文楷体" pitchFamily="2" charset="-122"/>
               </a:rPr>
-              <a:t>获取这个用户具有的</a:t>
+              <a:t>获取允许访问这个</a:t>
+            </a:r>
+            <a:r>
+              <a:rPr lang="en-US" altLang="zh-CN" sz="3200" b="1" dirty="0" err="1" smtClean="0">
+                <a:solidFill>
+                  <a:schemeClr val="tx1">
+                    <a:lumMod val="75000"/>
+                    <a:lumOff val="25000"/>
+                  </a:schemeClr>
+                </a:solidFill>
+                <a:latin typeface="华文楷体" pitchFamily="2" charset="-122"/>
+                <a:ea typeface="华文楷体" pitchFamily="2" charset="-122"/>
+              </a:rPr>
+              <a:t>url</a:t>
             </a:r>
             <a:r>
               <a:rPr lang="zh-CN" altLang="en-US" sz="3200" b="1" dirty="0" smtClean="0">
@@ -4950,48 +5325,7 @@
                 <a:latin typeface="华文楷体" pitchFamily="2" charset="-122"/>
                 <a:ea typeface="华文楷体" pitchFamily="2" charset="-122"/>
               </a:rPr>
-              <a:t>一或多</a:t>
-            </a:r>
-            <a:r>
-              <a:rPr lang="zh-CN" altLang="en-US" sz="3200" b="1" dirty="0" smtClean="0">
-                <a:solidFill>
-                  <a:schemeClr val="tx1">
-                    <a:lumMod val="75000"/>
-                    <a:lumOff val="25000"/>
-                  </a:schemeClr>
-                </a:solidFill>
-                <a:latin typeface="华文楷体" pitchFamily="2" charset="-122"/>
-                <a:ea typeface="华文楷体" pitchFamily="2" charset="-122"/>
-              </a:rPr>
-              <a:t>个</a:t>
-            </a:r>
-            <a:r>
-              <a:rPr lang="zh-CN" altLang="en-US" sz="3200" b="1" dirty="0" smtClean="0">
-                <a:solidFill>
-                  <a:schemeClr val="tx1">
-                    <a:lumMod val="75000"/>
-                    <a:lumOff val="25000"/>
-                  </a:schemeClr>
-                </a:solidFill>
-                <a:latin typeface="华文楷体" pitchFamily="2" charset="-122"/>
-                <a:ea typeface="华文楷体" pitchFamily="2" charset="-122"/>
-              </a:rPr>
-              <a:t>角色</a:t>
-            </a:r>
-          </a:p>
-          <a:p>
-            <a:r>
-              <a:rPr lang="zh-CN" altLang="en-US" sz="3200" b="1" dirty="0" smtClean="0">
-                <a:solidFill>
-                  <a:schemeClr val="tx1">
-                    <a:lumMod val="75000"/>
-                    <a:lumOff val="25000"/>
-                  </a:schemeClr>
-                </a:solidFill>
-                <a:latin typeface="华文楷体" pitchFamily="2" charset="-122"/>
-                <a:ea typeface="华文楷体" pitchFamily="2" charset="-122"/>
-              </a:rPr>
-              <a:t>检查用户是否至少具有一个符合的角色</a:t>
+              <a:t>的一或多个角色</a:t>
             </a:r>
             <a:endParaRPr lang="en-US" altLang="zh-CN" sz="3200" b="1" dirty="0" smtClean="0">
               <a:solidFill>
@@ -5004,6 +5338,46 @@
               <a:ea typeface="华文楷体" pitchFamily="2" charset="-122"/>
             </a:endParaRPr>
           </a:p>
+          <a:p>
+            <a:r>
+              <a:rPr lang="zh-CN" altLang="en-US" sz="3200" b="1" dirty="0" smtClean="0">
+                <a:solidFill>
+                  <a:schemeClr val="tx1">
+                    <a:lumMod val="75000"/>
+                    <a:lumOff val="25000"/>
+                  </a:schemeClr>
+                </a:solidFill>
+                <a:latin typeface="华文楷体" pitchFamily="2" charset="-122"/>
+                <a:ea typeface="华文楷体" pitchFamily="2" charset="-122"/>
+              </a:rPr>
+              <a:t>获取这个用户具有的一或多个角色</a:t>
+            </a:r>
+          </a:p>
+          <a:p>
+            <a:r>
+              <a:rPr lang="zh-CN" altLang="en-US" sz="3200" b="1" dirty="0" smtClean="0">
+                <a:solidFill>
+                  <a:schemeClr val="tx1">
+                    <a:lumMod val="75000"/>
+                    <a:lumOff val="25000"/>
+                  </a:schemeClr>
+                </a:solidFill>
+                <a:latin typeface="华文楷体" pitchFamily="2" charset="-122"/>
+                <a:ea typeface="华文楷体" pitchFamily="2" charset="-122"/>
+              </a:rPr>
+              <a:t>检查用户是否至少具有一个符合的角色</a:t>
+            </a:r>
+            <a:endParaRPr lang="en-US" altLang="zh-CN" sz="3200" b="1" dirty="0" smtClean="0">
+              <a:solidFill>
+                <a:schemeClr val="tx1">
+                  <a:lumMod val="75000"/>
+                  <a:lumOff val="25000"/>
+                </a:schemeClr>
+              </a:solidFill>
+              <a:latin typeface="华文楷体" pitchFamily="2" charset="-122"/>
+              <a:ea typeface="华文楷体" pitchFamily="2" charset="-122"/>
+            </a:endParaRPr>
+          </a:p>
         </p:txBody>
       </p:sp>
     </p:spTree>
@@ -5014,9 +5388,330 @@
   <p:timing>
     <p:tnLst>
       <p:par>
-        <p:cTn id="1" dur="indefinite" restart="never" nodeType="tmRoot"/>
+        <p:cTn id="1" dur="indefinite" restart="never" nodeType="tmRoot">
+          <p:childTnLst>
+            <p:seq concurrent="1" nextAc="seek">
+              <p:cTn id="2" dur="indefinite" nodeType="mainSeq">
+                <p:childTnLst>
+                  <p:par>
+                    <p:cTn id="3" fill="hold">
+                      <p:stCondLst>
+                        <p:cond delay="indefinite"/>
+                      </p:stCondLst>
+                      <p:childTnLst>
+                        <p:par>
+                          <p:cTn id="4" fill="hold">
+                            <p:stCondLst>
+                              <p:cond delay="0"/>
+                            </p:stCondLst>
+                            <p:childTnLst>
+                              <p:par>
+                                <p:cTn id="5" presetID="22" presetClass="entr" presetSubtype="4" fill="hold" grpId="0" nodeType="clickEffect">
+                                  <p:stCondLst>
+                                    <p:cond delay="0"/>
+                                  </p:stCondLst>
+                                  <p:childTnLst>
+                                    <p:set>
+                                      <p:cBhvr>
+                                        <p:cTn id="6" dur="1" fill="hold">
+                                          <p:stCondLst>
+                                            <p:cond delay="0"/>
+                                          </p:stCondLst>
+                                        </p:cTn>
+                                        <p:tgtEl>
+                                          <p:spTgt spid="4">
+                                            <p:txEl>
+                                              <p:pRg st="0" end="0"/>
+                                            </p:txEl>
+                                          </p:spTgt>
+                                        </p:tgtEl>
+                                        <p:attrNameLst>
+                                          <p:attrName>style.visibility</p:attrName>
+                                        </p:attrNameLst>
+                                      </p:cBhvr>
+                                      <p:to>
+                                        <p:strVal val="visible"/>
+                                      </p:to>
+                                    </p:set>
+                                    <p:animEffect transition="in" filter="wipe(down)">
+                                      <p:cBhvr>
+                                        <p:cTn id="7" dur="500"/>
+                                        <p:tgtEl>
+                                          <p:spTgt spid="4">
+                                            <p:txEl>
+                                              <p:pRg st="0" end="0"/>
+                                            </p:txEl>
+                                          </p:spTgt>
+                                        </p:tgtEl>
+                                      </p:cBhvr>
+                                    </p:animEffect>
+                                  </p:childTnLst>
+                                </p:cTn>
+                              </p:par>
+                              <p:par>
+                                <p:cTn id="8" presetID="22" presetClass="entr" presetSubtype="4" fill="hold" grpId="0" nodeType="withEffect">
+                                  <p:stCondLst>
+                                    <p:cond delay="0"/>
+                                  </p:stCondLst>
+                                  <p:childTnLst>
+                                    <p:set>
+                                      <p:cBhvr>
+                                        <p:cTn id="9" dur="1" fill="hold">
+                                          <p:stCondLst>
+                                            <p:cond delay="0"/>
+                                          </p:stCondLst>
+                                        </p:cTn>
+                                        <p:tgtEl>
+                                          <p:spTgt spid="4">
+                                            <p:txEl>
+                                              <p:pRg st="1" end="1"/>
+                                            </p:txEl>
+                                          </p:spTgt>
+                                        </p:tgtEl>
+                                        <p:attrNameLst>
+                                          <p:attrName>style.visibility</p:attrName>
+                                        </p:attrNameLst>
+                                      </p:cBhvr>
+                                      <p:to>
+                                        <p:strVal val="visible"/>
+                                      </p:to>
+                                    </p:set>
+                                    <p:animEffect transition="in" filter="wipe(down)">
+                                      <p:cBhvr>
+                                        <p:cTn id="10" dur="500"/>
+                                        <p:tgtEl>
+                                          <p:spTgt spid="4">
+                                            <p:txEl>
+                                              <p:pRg st="1" end="1"/>
+                                            </p:txEl>
+                                          </p:spTgt>
+                                        </p:tgtEl>
+                                      </p:cBhvr>
+                                    </p:animEffect>
+                                  </p:childTnLst>
+                                </p:cTn>
+                              </p:par>
+                            </p:childTnLst>
+                          </p:cTn>
+                        </p:par>
+                      </p:childTnLst>
+                    </p:cTn>
+                  </p:par>
+                  <p:par>
+                    <p:cTn id="11" fill="hold">
+                      <p:stCondLst>
+                        <p:cond delay="indefinite"/>
+                      </p:stCondLst>
+                      <p:childTnLst>
+                        <p:par>
+                          <p:cTn id="12" fill="hold">
+                            <p:stCondLst>
+                              <p:cond delay="0"/>
+                            </p:stCondLst>
+                            <p:childTnLst>
+                              <p:par>
+                                <p:cTn id="13" presetID="22" presetClass="entr" presetSubtype="4" fill="hold" grpId="0" nodeType="clickEffect">
+                                  <p:stCondLst>
+                                    <p:cond delay="0"/>
+                                  </p:stCondLst>
+                                  <p:childTnLst>
+                                    <p:set>
+                                      <p:cBhvr>
+                                        <p:cTn id="14" dur="1" fill="hold">
+                                          <p:stCondLst>
+                                            <p:cond delay="0"/>
+                                          </p:stCondLst>
+                                        </p:cTn>
+                                        <p:tgtEl>
+                                          <p:spTgt spid="7">
+                                            <p:txEl>
+                                              <p:pRg st="0" end="0"/>
+                                            </p:txEl>
+                                          </p:spTgt>
+                                        </p:tgtEl>
+                                        <p:attrNameLst>
+                                          <p:attrName>style.visibility</p:attrName>
+                                        </p:attrNameLst>
+                                      </p:cBhvr>
+                                      <p:to>
+                                        <p:strVal val="visible"/>
+                                      </p:to>
+                                    </p:set>
+                                    <p:animEffect transition="in" filter="wipe(down)">
+                                      <p:cBhvr>
+                                        <p:cTn id="15" dur="500"/>
+                                        <p:tgtEl>
+                                          <p:spTgt spid="7">
+                                            <p:txEl>
+                                              <p:pRg st="0" end="0"/>
+                                            </p:txEl>
+                                          </p:spTgt>
+                                        </p:tgtEl>
+                                      </p:cBhvr>
+                                    </p:animEffect>
+                                  </p:childTnLst>
+                                </p:cTn>
+                              </p:par>
+                              <p:par>
+                                <p:cTn id="16" presetID="22" presetClass="entr" presetSubtype="4" fill="hold" grpId="0" nodeType="withEffect">
+                                  <p:stCondLst>
+                                    <p:cond delay="0"/>
+                                  </p:stCondLst>
+                                  <p:childTnLst>
+                                    <p:set>
+                                      <p:cBhvr>
+                                        <p:cTn id="17" dur="1" fill="hold">
+                                          <p:stCondLst>
+                                            <p:cond delay="0"/>
+                                          </p:stCondLst>
+                                        </p:cTn>
+                                        <p:tgtEl>
+                                          <p:spTgt spid="7">
+                                            <p:txEl>
+                                              <p:pRg st="1" end="1"/>
+                                            </p:txEl>
+                                          </p:spTgt>
+                                        </p:tgtEl>
+                                        <p:attrNameLst>
+                                          <p:attrName>style.visibility</p:attrName>
+                                        </p:attrNameLst>
+                                      </p:cBhvr>
+                                      <p:to>
+                                        <p:strVal val="visible"/>
+                                      </p:to>
+                                    </p:set>
+                                    <p:animEffect transition="in" filter="wipe(down)">
+                                      <p:cBhvr>
+                                        <p:cTn id="18" dur="500"/>
+                                        <p:tgtEl>
+                                          <p:spTgt spid="7">
+                                            <p:txEl>
+                                              <p:pRg st="1" end="1"/>
+                                            </p:txEl>
+                                          </p:spTgt>
+                                        </p:tgtEl>
+                                      </p:cBhvr>
+                                    </p:animEffect>
+                                  </p:childTnLst>
+                                </p:cTn>
+                              </p:par>
+                              <p:par>
+                                <p:cTn id="19" presetID="22" presetClass="entr" presetSubtype="4" fill="hold" grpId="0" nodeType="withEffect">
+                                  <p:stCondLst>
+                                    <p:cond delay="0"/>
+                                  </p:stCondLst>
+                                  <p:childTnLst>
+                                    <p:set>
+                                      <p:cBhvr>
+                                        <p:cTn id="20" dur="1" fill="hold">
+                                          <p:stCondLst>
+                                            <p:cond delay="0"/>
+                                          </p:stCondLst>
+                                        </p:cTn>
+                                        <p:tgtEl>
+                                          <p:spTgt spid="7">
+                                            <p:txEl>
+                                              <p:pRg st="2" end="2"/>
+                                            </p:txEl>
+                                          </p:spTgt>
+                                        </p:tgtEl>
+                                        <p:attrNameLst>
+                                          <p:attrName>style.visibility</p:attrName>
+                                        </p:attrNameLst>
+                                      </p:cBhvr>
+                                      <p:to>
+                                        <p:strVal val="visible"/>
+                                      </p:to>
+                                    </p:set>
+                                    <p:animEffect transition="in" filter="wipe(down)">
+                                      <p:cBhvr>
+                                        <p:cTn id="21" dur="500"/>
+                                        <p:tgtEl>
+                                          <p:spTgt spid="7">
+                                            <p:txEl>
+                                              <p:pRg st="2" end="2"/>
+                                            </p:txEl>
+                                          </p:spTgt>
+                                        </p:tgtEl>
+                                      </p:cBhvr>
+                                    </p:animEffect>
+                                  </p:childTnLst>
+                                </p:cTn>
+                              </p:par>
+                              <p:par>
+                                <p:cTn id="22" presetID="22" presetClass="entr" presetSubtype="4" fill="hold" grpId="0" nodeType="withEffect">
+                                  <p:stCondLst>
+                                    <p:cond delay="0"/>
+                                  </p:stCondLst>
+                                  <p:childTnLst>
+                                    <p:set>
+                                      <p:cBhvr>
+                                        <p:cTn id="23" dur="1" fill="hold">
+                                          <p:stCondLst>
+                                            <p:cond delay="0"/>
+                                          </p:stCondLst>
+                                        </p:cTn>
+                                        <p:tgtEl>
+                                          <p:spTgt spid="7">
+                                            <p:txEl>
+                                              <p:pRg st="3" end="3"/>
+                                            </p:txEl>
+                                          </p:spTgt>
+                                        </p:tgtEl>
+                                        <p:attrNameLst>
+                                          <p:attrName>style.visibility</p:attrName>
+                                        </p:attrNameLst>
+                                      </p:cBhvr>
+                                      <p:to>
+                                        <p:strVal val="visible"/>
+                                      </p:to>
+                                    </p:set>
+                                    <p:animEffect transition="in" filter="wipe(down)">
+                                      <p:cBhvr>
+                                        <p:cTn id="24" dur="500"/>
+                                        <p:tgtEl>
+                                          <p:spTgt spid="7">
+                                            <p:txEl>
+                                              <p:pRg st="3" end="3"/>
+                                            </p:txEl>
+                                          </p:spTgt>
+                                        </p:tgtEl>
+                                      </p:cBhvr>
+                                    </p:animEffect>
+                                  </p:childTnLst>
+                                </p:cTn>
+                              </p:par>
+                            </p:childTnLst>
+                          </p:cTn>
+                        </p:par>
+                      </p:childTnLst>
+                    </p:cTn>
+                  </p:par>
+                </p:childTnLst>
+              </p:cTn>
+              <p:prevCondLst>
+                <p:cond evt="onPrev" delay="0">
+                  <p:tgtEl>
+                    <p:sldTgt/>
+                  </p:tgtEl>
+                </p:cond>
+              </p:prevCondLst>
+              <p:nextCondLst>
+                <p:cond evt="onNext" delay="0">
+                  <p:tgtEl>
+                    <p:sldTgt/>
+                  </p:tgtEl>
+                </p:cond>
+              </p:nextCondLst>
+            </p:seq>
+          </p:childTnLst>
+        </p:cTn>
       </p:par>
     </p:tnLst>
+    <p:bldLst>
+      <p:bldP spid="4" grpId="0" build="allAtOnce"/>
+      <p:bldP spid="7" grpId="0" build="allAtOnce"/>
+    </p:bldLst>
   </p:timing>
 </p:sld>
 </file>
@@ -5108,7 +5803,7 @@
         <p:spPr>
           <a:xfrm>
             <a:off x="714348" y="1500174"/>
-            <a:ext cx="8001056" cy="4524315"/>
+            <a:ext cx="8001056" cy="1077218"/>
           </a:xfrm>
           <a:prstGeom prst="rect">
             <a:avLst/>
@@ -5162,7 +5857,7 @@
                 <a:latin typeface="华文楷体" pitchFamily="2" charset="-122"/>
                 <a:ea typeface="华文楷体" pitchFamily="2" charset="-122"/>
               </a:rPr>
-              <a:t>需要的</a:t>
+              <a:t>需要的权限（角色</a:t>
             </a:r>
             <a:r>
               <a:rPr lang="zh-CN" altLang="en-US" sz="3200" b="1" dirty="0" smtClean="0">
@@ -5175,7 +5870,7 @@
                 <a:latin typeface="华文楷体" pitchFamily="2" charset="-122"/>
                 <a:ea typeface="华文楷体" pitchFamily="2" charset="-122"/>
               </a:rPr>
-              <a:t>权限（角色）</a:t>
+              <a:t>）</a:t>
             </a:r>
             <a:endParaRPr lang="en-US" altLang="zh-CN" sz="3200" b="1" dirty="0" smtClean="0">
               <a:solidFill>
@@ -5188,6 +5883,29 @@
               <a:ea typeface="华文楷体" pitchFamily="2" charset="-122"/>
             </a:endParaRPr>
           </a:p>
+        </p:txBody>
+      </p:sp>
+      <p:sp>
+        <p:nvSpPr>
+          <p:cNvPr id="4" name="TextBox 3"/>
+          <p:cNvSpPr txBox="1"/>
+          <p:nvPr/>
+        </p:nvSpPr>
+        <p:spPr>
+          <a:xfrm>
+            <a:off x="714348" y="2571744"/>
+            <a:ext cx="8001056" cy="1077218"/>
+          </a:xfrm>
+          <a:prstGeom prst="rect">
+            <a:avLst/>
+          </a:prstGeom>
+          <a:noFill/>
+        </p:spPr>
+        <p:txBody>
+          <a:bodyPr wrap="square" rtlCol="0">
+            <a:spAutoFit/>
+          </a:bodyPr>
+          <a:lstStyle/>
           <a:p>
             <a:r>
               <a:rPr lang="en-US" altLang="zh-CN" sz="3200" dirty="0" err="1" smtClean="0"/>
@@ -5204,7 +5922,7 @@
                 <a:latin typeface="华文楷体" pitchFamily="2" charset="-122"/>
                 <a:ea typeface="华文楷体" pitchFamily="2" charset="-122"/>
               </a:rPr>
-              <a:t>：表示一个用户被授予的</a:t>
+              <a:t>：表示一个用户被授予的权限（角色</a:t>
             </a:r>
             <a:r>
               <a:rPr lang="zh-CN" altLang="en-US" sz="3200" b="1" dirty="0" smtClean="0">
@@ -5217,7 +5935,7 @@
                 <a:latin typeface="华文楷体" pitchFamily="2" charset="-122"/>
                 <a:ea typeface="华文楷体" pitchFamily="2" charset="-122"/>
               </a:rPr>
-              <a:t>权限（角色）</a:t>
+              <a:t>）</a:t>
             </a:r>
             <a:endParaRPr lang="en-US" altLang="zh-CN" sz="3200" b="1" dirty="0" smtClean="0">
               <a:solidFill>
@@ -5230,6 +5948,29 @@
               <a:ea typeface="华文楷体" pitchFamily="2" charset="-122"/>
             </a:endParaRPr>
           </a:p>
+        </p:txBody>
+      </p:sp>
+      <p:sp>
+        <p:nvSpPr>
+          <p:cNvPr id="6" name="TextBox 5"/>
+          <p:cNvSpPr txBox="1"/>
+          <p:nvPr/>
+        </p:nvSpPr>
+        <p:spPr>
+          <a:xfrm>
+            <a:off x="714348" y="3643314"/>
+            <a:ext cx="8001056" cy="1077218"/>
+          </a:xfrm>
+          <a:prstGeom prst="rect">
+            <a:avLst/>
+          </a:prstGeom>
+          <a:noFill/>
+        </p:spPr>
+        <p:txBody>
+          <a:bodyPr wrap="square" rtlCol="0">
+            <a:spAutoFit/>
+          </a:bodyPr>
+          <a:lstStyle/>
           <a:p>
             <a:r>
               <a:rPr lang="zh-CN" altLang="en-US" sz="3200" b="1" dirty="0" smtClean="0">
@@ -5242,7 +5983,20 @@
                 <a:latin typeface="华文楷体" pitchFamily="2" charset="-122"/>
                 <a:ea typeface="华文楷体" pitchFamily="2" charset="-122"/>
               </a:rPr>
-              <a:t>一个</a:t>
+              <a:t>一</a:t>
+            </a:r>
+            <a:r>
+              <a:rPr lang="zh-CN" altLang="en-US" sz="3200" b="1" dirty="0" smtClean="0">
+                <a:solidFill>
+                  <a:schemeClr val="tx1">
+                    <a:lumMod val="75000"/>
+                    <a:lumOff val="25000"/>
+                  </a:schemeClr>
+                </a:solidFill>
+                <a:latin typeface="华文楷体" pitchFamily="2" charset="-122"/>
+                <a:ea typeface="华文楷体" pitchFamily="2" charset="-122"/>
+              </a:rPr>
+              <a:t>个</a:t>
             </a:r>
             <a:r>
               <a:rPr lang="en-US" altLang="zh-CN" sz="3200" b="1" dirty="0" err="1" smtClean="0">
@@ -5282,7 +6036,31 @@
               <a:rPr lang="en-US" altLang="zh-CN" sz="3200" dirty="0" smtClean="0"/>
               <a:t>&gt;</a:t>
             </a:r>
-          </a:p>
+            <a:endParaRPr lang="en-US" altLang="zh-CN" sz="3200" dirty="0" smtClean="0"/>
+          </a:p>
+        </p:txBody>
+      </p:sp>
+      <p:sp>
+        <p:nvSpPr>
+          <p:cNvPr id="8" name="TextBox 7"/>
+          <p:cNvSpPr txBox="1"/>
+          <p:nvPr/>
+        </p:nvSpPr>
+        <p:spPr>
+          <a:xfrm>
+            <a:off x="714348" y="4803545"/>
+            <a:ext cx="8001056" cy="1077218"/>
+          </a:xfrm>
+          <a:prstGeom prst="rect">
+            <a:avLst/>
+          </a:prstGeom>
+          <a:noFill/>
+        </p:spPr>
+        <p:txBody>
+          <a:bodyPr wrap="square" rtlCol="0">
+            <a:spAutoFit/>
+          </a:bodyPr>
+          <a:lstStyle/>
           <a:p>
             <a:r>
               <a:rPr lang="zh-CN" altLang="en-US" sz="3200" b="1" dirty="0" smtClean="0">
@@ -5295,7 +6073,20 @@
                 <a:latin typeface="华文楷体" pitchFamily="2" charset="-122"/>
                 <a:ea typeface="华文楷体" pitchFamily="2" charset="-122"/>
               </a:rPr>
-              <a:t>一个用户拥有一个权限集合，即</a:t>
+              <a:t>一</a:t>
+            </a:r>
+            <a:r>
+              <a:rPr lang="zh-CN" altLang="en-US" sz="3200" b="1" dirty="0" smtClean="0">
+                <a:solidFill>
+                  <a:schemeClr val="tx1">
+                    <a:lumMod val="75000"/>
+                    <a:lumOff val="25000"/>
+                  </a:schemeClr>
+                </a:solidFill>
+                <a:latin typeface="华文楷体" pitchFamily="2" charset="-122"/>
+                <a:ea typeface="华文楷体" pitchFamily="2" charset="-122"/>
+              </a:rPr>
+              <a:t>个用户拥有一个权限集合，即</a:t>
             </a:r>
             <a:r>
               <a:rPr lang="en-US" altLang="zh-CN" sz="3200" dirty="0" smtClean="0"/>
@@ -5309,7 +6100,31 @@
               <a:rPr lang="en-US" altLang="zh-CN" sz="3200" dirty="0" smtClean="0"/>
               <a:t>&gt;</a:t>
             </a:r>
-          </a:p>
+            <a:endParaRPr lang="en-US" altLang="zh-CN" sz="3200" dirty="0" smtClean="0"/>
+          </a:p>
+        </p:txBody>
+      </p:sp>
+      <p:sp>
+        <p:nvSpPr>
+          <p:cNvPr id="9" name="TextBox 8"/>
+          <p:cNvSpPr txBox="1"/>
+          <p:nvPr/>
+        </p:nvSpPr>
+        <p:spPr>
+          <a:xfrm>
+            <a:off x="714348" y="5916059"/>
+            <a:ext cx="8001056" cy="584775"/>
+          </a:xfrm>
+          <a:prstGeom prst="rect">
+            <a:avLst/>
+          </a:prstGeom>
+          <a:noFill/>
+        </p:spPr>
+        <p:txBody>
+          <a:bodyPr wrap="square" rtlCol="0">
+            <a:spAutoFit/>
+          </a:bodyPr>
+          <a:lstStyle/>
           <a:p>
             <a:r>
               <a:rPr lang="zh-CN" altLang="en-US" sz="3200" b="1" dirty="0" smtClean="0">
@@ -5322,7 +6137,20 @@
                 <a:latin typeface="华文楷体" pitchFamily="2" charset="-122"/>
                 <a:ea typeface="华文楷体" pitchFamily="2" charset="-122"/>
               </a:rPr>
-              <a:t>看这两个集合是否有交集</a:t>
+              <a:t>看</a:t>
+            </a:r>
+            <a:r>
+              <a:rPr lang="zh-CN" altLang="en-US" sz="3200" b="1" dirty="0" smtClean="0">
+                <a:solidFill>
+                  <a:schemeClr val="tx1">
+                    <a:lumMod val="75000"/>
+                    <a:lumOff val="25000"/>
+                  </a:schemeClr>
+                </a:solidFill>
+                <a:latin typeface="华文楷体" pitchFamily="2" charset="-122"/>
+                <a:ea typeface="华文楷体" pitchFamily="2" charset="-122"/>
+              </a:rPr>
+              <a:t>这两个集合是否有交集</a:t>
             </a:r>
             <a:endParaRPr lang="en-US" altLang="zh-CN" sz="3200" b="1" dirty="0" smtClean="0">
               <a:solidFill>
@@ -5345,9 +6173,344 @@
   <p:timing>
     <p:tnLst>
       <p:par>
-        <p:cTn id="1" dur="indefinite" restart="never" nodeType="tmRoot"/>
+        <p:cTn id="1" dur="indefinite" restart="never" nodeType="tmRoot">
+          <p:childTnLst>
+            <p:seq concurrent="1" nextAc="seek">
+              <p:cTn id="2" dur="indefinite" nodeType="mainSeq">
+                <p:childTnLst>
+                  <p:par>
+                    <p:cTn id="3" fill="hold">
+                      <p:stCondLst>
+                        <p:cond delay="indefinite"/>
+                      </p:stCondLst>
+                      <p:childTnLst>
+                        <p:par>
+                          <p:cTn id="4" fill="hold">
+                            <p:stCondLst>
+                              <p:cond delay="0"/>
+                            </p:stCondLst>
+                            <p:childTnLst>
+                              <p:par>
+                                <p:cTn id="5" presetID="22" presetClass="entr" presetSubtype="4" fill="hold" grpId="0" nodeType="clickEffect">
+                                  <p:stCondLst>
+                                    <p:cond delay="0"/>
+                                  </p:stCondLst>
+                                  <p:childTnLst>
+                                    <p:set>
+                                      <p:cBhvr>
+                                        <p:cTn id="6" dur="1" fill="hold">
+                                          <p:stCondLst>
+                                            <p:cond delay="0"/>
+                                          </p:stCondLst>
+                                        </p:cTn>
+                                        <p:tgtEl>
+                                          <p:spTgt spid="7">
+                                            <p:txEl>
+                                              <p:pRg st="0" end="0"/>
+                                            </p:txEl>
+                                          </p:spTgt>
+                                        </p:tgtEl>
+                                        <p:attrNameLst>
+                                          <p:attrName>style.visibility</p:attrName>
+                                        </p:attrNameLst>
+                                      </p:cBhvr>
+                                      <p:to>
+                                        <p:strVal val="visible"/>
+                                      </p:to>
+                                    </p:set>
+                                    <p:animEffect transition="in" filter="wipe(down)">
+                                      <p:cBhvr>
+                                        <p:cTn id="7" dur="500"/>
+                                        <p:tgtEl>
+                                          <p:spTgt spid="7">
+                                            <p:txEl>
+                                              <p:pRg st="0" end="0"/>
+                                            </p:txEl>
+                                          </p:spTgt>
+                                        </p:tgtEl>
+                                      </p:cBhvr>
+                                    </p:animEffect>
+                                  </p:childTnLst>
+                                </p:cTn>
+                              </p:par>
+                            </p:childTnLst>
+                          </p:cTn>
+                        </p:par>
+                      </p:childTnLst>
+                    </p:cTn>
+                  </p:par>
+                  <p:par>
+                    <p:cTn id="8" fill="hold">
+                      <p:stCondLst>
+                        <p:cond delay="indefinite"/>
+                      </p:stCondLst>
+                      <p:childTnLst>
+                        <p:par>
+                          <p:cTn id="9" fill="hold">
+                            <p:stCondLst>
+                              <p:cond delay="0"/>
+                            </p:stCondLst>
+                            <p:childTnLst>
+                              <p:par>
+                                <p:cTn id="10" presetID="22" presetClass="entr" presetSubtype="4" fill="hold" grpId="0" nodeType="clickEffect">
+                                  <p:stCondLst>
+                                    <p:cond delay="0"/>
+                                  </p:stCondLst>
+                                  <p:childTnLst>
+                                    <p:set>
+                                      <p:cBhvr>
+                                        <p:cTn id="11" dur="1" fill="hold">
+                                          <p:stCondLst>
+                                            <p:cond delay="0"/>
+                                          </p:stCondLst>
+                                        </p:cTn>
+                                        <p:tgtEl>
+                                          <p:spTgt spid="4">
+                                            <p:txEl>
+                                              <p:pRg st="0" end="0"/>
+                                            </p:txEl>
+                                          </p:spTgt>
+                                        </p:tgtEl>
+                                        <p:attrNameLst>
+                                          <p:attrName>style.visibility</p:attrName>
+                                        </p:attrNameLst>
+                                      </p:cBhvr>
+                                      <p:to>
+                                        <p:strVal val="visible"/>
+                                      </p:to>
+                                    </p:set>
+                                    <p:animEffect transition="in" filter="wipe(down)">
+                                      <p:cBhvr>
+                                        <p:cTn id="12" dur="500"/>
+                                        <p:tgtEl>
+                                          <p:spTgt spid="4">
+                                            <p:txEl>
+                                              <p:pRg st="0" end="0"/>
+                                            </p:txEl>
+                                          </p:spTgt>
+                                        </p:tgtEl>
+                                      </p:cBhvr>
+                                    </p:animEffect>
+                                  </p:childTnLst>
+                                </p:cTn>
+                              </p:par>
+                            </p:childTnLst>
+                          </p:cTn>
+                        </p:par>
+                      </p:childTnLst>
+                    </p:cTn>
+                  </p:par>
+                  <p:par>
+                    <p:cTn id="13" fill="hold">
+                      <p:stCondLst>
+                        <p:cond delay="indefinite"/>
+                      </p:stCondLst>
+                      <p:childTnLst>
+                        <p:par>
+                          <p:cTn id="14" fill="hold">
+                            <p:stCondLst>
+                              <p:cond delay="0"/>
+                            </p:stCondLst>
+                            <p:childTnLst>
+                              <p:par>
+                                <p:cTn id="15" presetID="22" presetClass="entr" presetSubtype="4" fill="hold" grpId="0" nodeType="clickEffect">
+                                  <p:stCondLst>
+                                    <p:cond delay="0"/>
+                                  </p:stCondLst>
+                                  <p:childTnLst>
+                                    <p:set>
+                                      <p:cBhvr>
+                                        <p:cTn id="16" dur="1" fill="hold">
+                                          <p:stCondLst>
+                                            <p:cond delay="0"/>
+                                          </p:stCondLst>
+                                        </p:cTn>
+                                        <p:tgtEl>
+                                          <p:spTgt spid="6">
+                                            <p:txEl>
+                                              <p:pRg st="0" end="0"/>
+                                            </p:txEl>
+                                          </p:spTgt>
+                                        </p:tgtEl>
+                                        <p:attrNameLst>
+                                          <p:attrName>style.visibility</p:attrName>
+                                        </p:attrNameLst>
+                                      </p:cBhvr>
+                                      <p:to>
+                                        <p:strVal val="visible"/>
+                                      </p:to>
+                                    </p:set>
+                                    <p:animEffect transition="in" filter="wipe(down)">
+                                      <p:cBhvr>
+                                        <p:cTn id="17" dur="500"/>
+                                        <p:tgtEl>
+                                          <p:spTgt spid="6">
+                                            <p:txEl>
+                                              <p:pRg st="0" end="0"/>
+                                            </p:txEl>
+                                          </p:spTgt>
+                                        </p:tgtEl>
+                                      </p:cBhvr>
+                                    </p:animEffect>
+                                  </p:childTnLst>
+                                </p:cTn>
+                              </p:par>
+                            </p:childTnLst>
+                          </p:cTn>
+                        </p:par>
+                      </p:childTnLst>
+                    </p:cTn>
+                  </p:par>
+                  <p:par>
+                    <p:cTn id="18" fill="hold">
+                      <p:stCondLst>
+                        <p:cond delay="indefinite"/>
+                      </p:stCondLst>
+                      <p:childTnLst>
+                        <p:par>
+                          <p:cTn id="19" fill="hold">
+                            <p:stCondLst>
+                              <p:cond delay="0"/>
+                            </p:stCondLst>
+                            <p:childTnLst>
+                              <p:par>
+                                <p:cTn id="20" presetID="22" presetClass="entr" presetSubtype="4" fill="hold" grpId="0" nodeType="clickEffect">
+                                  <p:stCondLst>
+                                    <p:cond delay="0"/>
+                                  </p:stCondLst>
+                                  <p:childTnLst>
+                                    <p:set>
+                                      <p:cBhvr>
+                                        <p:cTn id="21" dur="1" fill="hold">
+                                          <p:stCondLst>
+                                            <p:cond delay="0"/>
+                                          </p:stCondLst>
+                                        </p:cTn>
+                                        <p:tgtEl>
+                                          <p:spTgt spid="8">
+                                            <p:txEl>
+                                              <p:pRg st="0" end="0"/>
+                                            </p:txEl>
+                                          </p:spTgt>
+                                        </p:tgtEl>
+                                        <p:attrNameLst>
+                                          <p:attrName>style.visibility</p:attrName>
+                                        </p:attrNameLst>
+                                      </p:cBhvr>
+                                      <p:to>
+                                        <p:strVal val="visible"/>
+                                      </p:to>
+                                    </p:set>
+                                    <p:animEffect transition="in" filter="wipe(down)">
+                                      <p:cBhvr>
+                                        <p:cTn id="22" dur="500"/>
+                                        <p:tgtEl>
+                                          <p:spTgt spid="8">
+                                            <p:txEl>
+                                              <p:pRg st="0" end="0"/>
+                                            </p:txEl>
+                                          </p:spTgt>
+                                        </p:tgtEl>
+                                      </p:cBhvr>
+                                    </p:animEffect>
+                                  </p:childTnLst>
+                                </p:cTn>
+                              </p:par>
+                            </p:childTnLst>
+                          </p:cTn>
+                        </p:par>
+                      </p:childTnLst>
+                    </p:cTn>
+                  </p:par>
+                  <p:par>
+                    <p:cTn id="23" fill="hold">
+                      <p:stCondLst>
+                        <p:cond delay="indefinite"/>
+                      </p:stCondLst>
+                      <p:childTnLst>
+                        <p:par>
+                          <p:cTn id="24" fill="hold">
+                            <p:stCondLst>
+                              <p:cond delay="0"/>
+                            </p:stCondLst>
+                            <p:childTnLst>
+                              <p:par>
+                                <p:cTn id="25" presetID="22" presetClass="entr" presetSubtype="4" fill="hold" grpId="0" nodeType="clickEffect">
+                                  <p:stCondLst>
+                                    <p:cond delay="0"/>
+                                  </p:stCondLst>
+                                  <p:childTnLst>
+                                    <p:set>
+                                      <p:cBhvr>
+                                        <p:cTn id="26" dur="1" fill="hold">
+                                          <p:stCondLst>
+                                            <p:cond delay="0"/>
+                                          </p:stCondLst>
+                                        </p:cTn>
+                                        <p:tgtEl>
+                                          <p:spTgt spid="9">
+                                            <p:txEl>
+                                              <p:pRg st="0" end="0"/>
+                                            </p:txEl>
+                                          </p:spTgt>
+                                        </p:tgtEl>
+                                        <p:attrNameLst>
+                                          <p:attrName>style.visibility</p:attrName>
+                                        </p:attrNameLst>
+                                      </p:cBhvr>
+                                      <p:to>
+                                        <p:strVal val="visible"/>
+                                      </p:to>
+                                    </p:set>
+                                    <p:animEffect transition="in" filter="wipe(down)">
+                                      <p:cBhvr>
+                                        <p:cTn id="27" dur="500"/>
+                                        <p:tgtEl>
+                                          <p:spTgt spid="9">
+                                            <p:txEl>
+                                              <p:pRg st="0" end="0"/>
+                                            </p:txEl>
+                                          </p:spTgt>
+                                        </p:tgtEl>
+                                      </p:cBhvr>
+                                    </p:animEffect>
+                                  </p:childTnLst>
+                                </p:cTn>
+                              </p:par>
+                            </p:childTnLst>
+                          </p:cTn>
+                        </p:par>
+                      </p:childTnLst>
+                    </p:cTn>
+                  </p:par>
+                </p:childTnLst>
+              </p:cTn>
+              <p:prevCondLst>
+                <p:cond evt="onPrev" delay="0">
+                  <p:tgtEl>
+                    <p:sldTgt/>
+                  </p:tgtEl>
+                </p:cond>
+              </p:prevCondLst>
+              <p:nextCondLst>
+                <p:cond evt="onNext" delay="0">
+                  <p:tgtEl>
+                    <p:sldTgt/>
+                  </p:tgtEl>
+                </p:cond>
+              </p:nextCondLst>
+            </p:seq>
+          </p:childTnLst>
+        </p:cTn>
       </p:par>
     </p:tnLst>
+    <p:bldLst>
+      <p:bldP spid="7" grpId="0" build="allAtOnce"/>
+      <p:bldP spid="4" grpId="0" build="allAtOnce"/>
+      <p:bldP spid="6" grpId="0" build="allAtOnce"/>
+      <p:bldP spid="8" grpId="0" build="allAtOnce"/>
+      <p:bldP spid="9" grpId="0" build="allAtOnce"/>
+    </p:bldLst>
   </p:timing>
 </p:sld>
 </file>
@@ -5402,20 +6565,7 @@
                 <a:latin typeface="华文楷体" pitchFamily="2" charset="-122"/>
                 <a:ea typeface="华文楷体" pitchFamily="2" charset="-122"/>
               </a:rPr>
-              <a:t>权限集合的</a:t>
-            </a:r>
-            <a:r>
-              <a:rPr lang="zh-CN" altLang="en-US" sz="4000" b="1" dirty="0" smtClean="0">
-                <a:solidFill>
-                  <a:schemeClr val="tx1">
-                    <a:lumMod val="75000"/>
-                    <a:lumOff val="25000"/>
-                  </a:schemeClr>
-                </a:solidFill>
-                <a:latin typeface="华文楷体" pitchFamily="2" charset="-122"/>
-                <a:ea typeface="华文楷体" pitchFamily="2" charset="-122"/>
-              </a:rPr>
-              <a:t>获取</a:t>
+              <a:t>权限集合的获取</a:t>
             </a:r>
             <a:r>
               <a:rPr lang="en-US" altLang="zh-CN" sz="4000" b="1" dirty="0" smtClean="0">
@@ -5452,7 +6602,7 @@
         <p:spPr>
           <a:xfrm>
             <a:off x="714348" y="1500174"/>
-            <a:ext cx="7929618" cy="3046988"/>
+            <a:ext cx="7929618" cy="1569660"/>
           </a:xfrm>
           <a:prstGeom prst="rect">
             <a:avLst/>
@@ -5488,7 +6638,20 @@
                 <a:latin typeface="华文楷体" pitchFamily="2" charset="-122"/>
                 <a:ea typeface="华文楷体" pitchFamily="2" charset="-122"/>
               </a:rPr>
-              <a:t> ，</a:t>
+              <a:t> ，根据事先配置好的</a:t>
+            </a:r>
+            <a:r>
+              <a:rPr lang="en-US" altLang="zh-CN" sz="3200" b="1" dirty="0" err="1" smtClean="0">
+                <a:solidFill>
+                  <a:schemeClr val="tx1">
+                    <a:lumMod val="75000"/>
+                    <a:lumOff val="25000"/>
+                  </a:schemeClr>
+                </a:solidFill>
+                <a:latin typeface="华文楷体" pitchFamily="2" charset="-122"/>
+                <a:ea typeface="华文楷体" pitchFamily="2" charset="-122"/>
+              </a:rPr>
+              <a:t>url</a:t>
             </a:r>
             <a:r>
               <a:rPr lang="zh-CN" altLang="en-US" sz="3200" b="1" dirty="0" smtClean="0">
@@ -5501,20 +6664,7 @@
                 <a:latin typeface="华文楷体" pitchFamily="2" charset="-122"/>
                 <a:ea typeface="华文楷体" pitchFamily="2" charset="-122"/>
               </a:rPr>
-              <a:t>根据事先配置好的</a:t>
-            </a:r>
-            <a:r>
-              <a:rPr lang="en-US" altLang="zh-CN" sz="3200" b="1" dirty="0" err="1" smtClean="0">
-                <a:solidFill>
-                  <a:schemeClr val="tx1">
-                    <a:lumMod val="75000"/>
-                    <a:lumOff val="25000"/>
-                  </a:schemeClr>
-                </a:solidFill>
-                <a:latin typeface="华文楷体" pitchFamily="2" charset="-122"/>
-                <a:ea typeface="华文楷体" pitchFamily="2" charset="-122"/>
-              </a:rPr>
-              <a:t>url</a:t>
+              <a:t>和权限的对应关系，在一个请求到来时由系统</a:t>
             </a:r>
             <a:r>
               <a:rPr lang="zh-CN" altLang="en-US" sz="3200" b="1" dirty="0" smtClean="0">
@@ -5527,7 +6677,7 @@
                 <a:latin typeface="华文楷体" pitchFamily="2" charset="-122"/>
                 <a:ea typeface="华文楷体" pitchFamily="2" charset="-122"/>
               </a:rPr>
-              <a:t>和权限的对应关系，在一个请求到来时由系统提供</a:t>
+              <a:t>提供</a:t>
             </a:r>
             <a:endParaRPr lang="en-US" altLang="zh-CN" sz="3200" b="1" dirty="0" smtClean="0">
               <a:solidFill>
@@ -5540,6 +6690,29 @@
               <a:ea typeface="华文楷体" pitchFamily="2" charset="-122"/>
             </a:endParaRPr>
           </a:p>
+        </p:txBody>
+      </p:sp>
+      <p:sp>
+        <p:nvSpPr>
+          <p:cNvPr id="4" name="TextBox 3"/>
+          <p:cNvSpPr txBox="1"/>
+          <p:nvPr/>
+        </p:nvSpPr>
+        <p:spPr>
+          <a:xfrm>
+            <a:off x="714348" y="3168094"/>
+            <a:ext cx="7929618" cy="1569660"/>
+          </a:xfrm>
+          <a:prstGeom prst="rect">
+            <a:avLst/>
+          </a:prstGeom>
+          <a:noFill/>
+        </p:spPr>
+        <p:txBody>
+          <a:bodyPr wrap="square" rtlCol="0">
+            <a:spAutoFit/>
+          </a:bodyPr>
+          <a:lstStyle/>
           <a:p>
             <a:r>
               <a:rPr lang="en-US" altLang="zh-CN" sz="3200" dirty="0" smtClean="0"/>
@@ -5564,20 +6737,7 @@
                 <a:latin typeface="华文楷体" pitchFamily="2" charset="-122"/>
                 <a:ea typeface="华文楷体" pitchFamily="2" charset="-122"/>
               </a:rPr>
-              <a:t> ，在用户登陆时，根据用户名从数据库中查询出来，其实是由</a:t>
-            </a:r>
-            <a:r>
-              <a:rPr lang="zh-CN" altLang="en-US" sz="3200" b="1" dirty="0" smtClean="0">
-                <a:solidFill>
-                  <a:schemeClr val="tx1">
-                    <a:lumMod val="75000"/>
-                    <a:lumOff val="25000"/>
-                  </a:schemeClr>
-                </a:solidFill>
-                <a:latin typeface="华文楷体" pitchFamily="2" charset="-122"/>
-                <a:ea typeface="华文楷体" pitchFamily="2" charset="-122"/>
-              </a:rPr>
-              <a:t>我们自己提供</a:t>
+              <a:t> ，在用户登陆时，根据用户名从数据库中查询出来，其实是由我们自己提供</a:t>
             </a:r>
             <a:endParaRPr lang="en-US" altLang="zh-CN" sz="3200" b="1" dirty="0" smtClean="0">
               <a:solidFill>
@@ -5600,9 +6760,158 @@
   <p:timing>
     <p:tnLst>
       <p:par>
-        <p:cTn id="1" dur="indefinite" restart="never" nodeType="tmRoot"/>
+        <p:cTn id="1" dur="indefinite" restart="never" nodeType="tmRoot">
+          <p:childTnLst>
+            <p:seq concurrent="1" nextAc="seek">
+              <p:cTn id="2" dur="indefinite" nodeType="mainSeq">
+                <p:childTnLst>
+                  <p:par>
+                    <p:cTn id="3" fill="hold">
+                      <p:stCondLst>
+                        <p:cond delay="indefinite"/>
+                      </p:stCondLst>
+                      <p:childTnLst>
+                        <p:par>
+                          <p:cTn id="4" fill="hold">
+                            <p:stCondLst>
+                              <p:cond delay="0"/>
+                            </p:stCondLst>
+                            <p:childTnLst>
+                              <p:par>
+                                <p:cTn id="5" presetID="22" presetClass="entr" presetSubtype="4" fill="hold" grpId="0" nodeType="clickEffect">
+                                  <p:stCondLst>
+                                    <p:cond delay="0"/>
+                                  </p:stCondLst>
+                                  <p:childTnLst>
+                                    <p:set>
+                                      <p:cBhvr>
+                                        <p:cTn id="6" dur="1" fill="hold">
+                                          <p:stCondLst>
+                                            <p:cond delay="0"/>
+                                          </p:stCondLst>
+                                        </p:cTn>
+                                        <p:tgtEl>
+                                          <p:spTgt spid="6">
+                                            <p:txEl>
+                                              <p:pRg st="0" end="0"/>
+                                            </p:txEl>
+                                          </p:spTgt>
+                                        </p:tgtEl>
+                                        <p:attrNameLst>
+                                          <p:attrName>style.visibility</p:attrName>
+                                        </p:attrNameLst>
+                                      </p:cBhvr>
+                                      <p:to>
+                                        <p:strVal val="visible"/>
+                                      </p:to>
+                                    </p:set>
+                                    <p:animEffect transition="in" filter="wipe(down)">
+                                      <p:cBhvr>
+                                        <p:cTn id="7" dur="500"/>
+                                        <p:tgtEl>
+                                          <p:spTgt spid="6">
+                                            <p:txEl>
+                                              <p:pRg st="0" end="0"/>
+                                            </p:txEl>
+                                          </p:spTgt>
+                                        </p:tgtEl>
+                                      </p:cBhvr>
+                                    </p:animEffect>
+                                  </p:childTnLst>
+                                </p:cTn>
+                              </p:par>
+                            </p:childTnLst>
+                          </p:cTn>
+                        </p:par>
+                      </p:childTnLst>
+                    </p:cTn>
+                  </p:par>
+                  <p:par>
+                    <p:cTn id="8" fill="hold">
+                      <p:stCondLst>
+                        <p:cond delay="indefinite"/>
+                      </p:stCondLst>
+                      <p:childTnLst>
+                        <p:par>
+                          <p:cTn id="9" fill="hold">
+                            <p:stCondLst>
+                              <p:cond delay="0"/>
+                            </p:stCondLst>
+                            <p:childTnLst>
+                              <p:par>
+                                <p:cTn id="10" presetID="22" presetClass="entr" presetSubtype="4" fill="hold" grpId="0" nodeType="clickEffect">
+                                  <p:stCondLst>
+                                    <p:cond delay="0"/>
+                                  </p:stCondLst>
+                                  <p:childTnLst>
+                                    <p:set>
+                                      <p:cBhvr>
+                                        <p:cTn id="11" dur="1" fill="hold">
+                                          <p:stCondLst>
+                                            <p:cond delay="0"/>
+                                          </p:stCondLst>
+                                        </p:cTn>
+                                        <p:tgtEl>
+                                          <p:spTgt spid="4">
+                                            <p:txEl>
+                                              <p:pRg st="0" end="0"/>
+                                            </p:txEl>
+                                          </p:spTgt>
+                                        </p:tgtEl>
+                                        <p:attrNameLst>
+                                          <p:attrName>style.visibility</p:attrName>
+                                        </p:attrNameLst>
+                                      </p:cBhvr>
+                                      <p:to>
+                                        <p:strVal val="visible"/>
+                                      </p:to>
+                                    </p:set>
+                                    <p:animEffect transition="in" filter="wipe(down)">
+                                      <p:cBhvr>
+                                        <p:cTn id="12" dur="500"/>
+                                        <p:tgtEl>
+                                          <p:spTgt spid="4">
+                                            <p:txEl>
+                                              <p:pRg st="0" end="0"/>
+                                            </p:txEl>
+                                          </p:spTgt>
+                                        </p:tgtEl>
+                                      </p:cBhvr>
+                                    </p:animEffect>
+                                  </p:childTnLst>
+                                </p:cTn>
+                              </p:par>
+                            </p:childTnLst>
+                          </p:cTn>
+                        </p:par>
+                      </p:childTnLst>
+                    </p:cTn>
+                  </p:par>
+                </p:childTnLst>
+              </p:cTn>
+              <p:prevCondLst>
+                <p:cond evt="onPrev" delay="0">
+                  <p:tgtEl>
+                    <p:sldTgt/>
+                  </p:tgtEl>
+                </p:cond>
+              </p:prevCondLst>
+              <p:nextCondLst>
+                <p:cond evt="onNext" delay="0">
+                  <p:tgtEl>
+                    <p:sldTgt/>
+                  </p:tgtEl>
+                </p:cond>
+              </p:nextCondLst>
+            </p:seq>
+          </p:childTnLst>
+        </p:cTn>
       </p:par>
     </p:tnLst>
+    <p:bldLst>
+      <p:bldP spid="6" grpId="0" build="allAtOnce"/>
+      <p:bldP spid="4" grpId="0" build="allAtOnce"/>
+    </p:bldLst>
   </p:timing>
 </p:sld>
 </file>
@@ -5718,33 +7027,7 @@
                 <a:latin typeface="华文楷体" pitchFamily="2" charset="-122"/>
                 <a:ea typeface="华文楷体" pitchFamily="2" charset="-122"/>
               </a:rPr>
-              <a:t>人类社会中，</a:t>
-            </a:r>
-            <a:r>
-              <a:rPr lang="zh-CN" altLang="en-US" sz="3200" b="1" dirty="0" smtClean="0">
-                <a:solidFill>
-                  <a:schemeClr val="tx1">
-                    <a:lumMod val="75000"/>
-                    <a:lumOff val="25000"/>
-                  </a:schemeClr>
-                </a:solidFill>
-                <a:latin typeface="华文楷体" pitchFamily="2" charset="-122"/>
-                <a:ea typeface="华文楷体" pitchFamily="2" charset="-122"/>
-              </a:rPr>
-              <a:t>在做出重大决定时可以让多个投票者进行</a:t>
-            </a:r>
-            <a:r>
-              <a:rPr lang="zh-CN" altLang="en-US" sz="3200" b="1" dirty="0" smtClean="0">
-                <a:solidFill>
-                  <a:schemeClr val="tx1">
-                    <a:lumMod val="75000"/>
-                    <a:lumOff val="25000"/>
-                  </a:schemeClr>
-                </a:solidFill>
-                <a:latin typeface="华文楷体" pitchFamily="2" charset="-122"/>
-                <a:ea typeface="华文楷体" pitchFamily="2" charset="-122"/>
-              </a:rPr>
-              <a:t>投票</a:t>
+              <a:t>人类社会中，在做出重大决定时可以让多个投票者进行投票</a:t>
             </a:r>
             <a:endParaRPr lang="en-US" altLang="zh-CN" sz="3200" b="1" dirty="0" smtClean="0">
               <a:solidFill>
@@ -5805,20 +7088,7 @@
                 <a:latin typeface="华文楷体" pitchFamily="2" charset="-122"/>
                 <a:ea typeface="华文楷体" pitchFamily="2" charset="-122"/>
               </a:rPr>
-              <a:t>(Voter</a:t>
-            </a:r>
-            <a:r>
-              <a:rPr lang="en-US" altLang="zh-CN" sz="3200" b="1" dirty="0" smtClean="0">
-                <a:solidFill>
-                  <a:schemeClr val="tx1">
-                    <a:lumMod val="75000"/>
-                    <a:lumOff val="25000"/>
-                  </a:schemeClr>
-                </a:solidFill>
-                <a:latin typeface="华文楷体" pitchFamily="2" charset="-122"/>
-                <a:ea typeface="华文楷体" pitchFamily="2" charset="-122"/>
-              </a:rPr>
-              <a:t>)</a:t>
+              <a:t>(Voter)</a:t>
             </a:r>
             <a:endParaRPr lang="en-US" altLang="zh-CN" sz="3200" dirty="0" smtClean="0"/>
           </a:p>
@@ -5917,9 +7187,201 @@
   <p:timing>
     <p:tnLst>
       <p:par>
-        <p:cTn id="1" dur="indefinite" restart="never" nodeType="tmRoot"/>
+        <p:cTn id="1" dur="indefinite" restart="never" nodeType="tmRoot">
+          <p:childTnLst>
+            <p:seq concurrent="1" nextAc="seek">
+              <p:cTn id="2" dur="indefinite" nodeType="mainSeq">
+                <p:childTnLst>
+                  <p:par>
+                    <p:cTn id="3" fill="hold">
+                      <p:stCondLst>
+                        <p:cond delay="indefinite"/>
+                      </p:stCondLst>
+                      <p:childTnLst>
+                        <p:par>
+                          <p:cTn id="4" fill="hold">
+                            <p:stCondLst>
+                              <p:cond delay="0"/>
+                            </p:stCondLst>
+                            <p:childTnLst>
+                              <p:par>
+                                <p:cTn id="5" presetID="22" presetClass="entr" presetSubtype="4" fill="hold" grpId="0" nodeType="clickEffect">
+                                  <p:stCondLst>
+                                    <p:cond delay="0"/>
+                                  </p:stCondLst>
+                                  <p:childTnLst>
+                                    <p:set>
+                                      <p:cBhvr>
+                                        <p:cTn id="6" dur="1" fill="hold">
+                                          <p:stCondLst>
+                                            <p:cond delay="0"/>
+                                          </p:stCondLst>
+                                        </p:cTn>
+                                        <p:tgtEl>
+                                          <p:spTgt spid="6">
+                                            <p:txEl>
+                                              <p:pRg st="0" end="0"/>
+                                            </p:txEl>
+                                          </p:spTgt>
+                                        </p:tgtEl>
+                                        <p:attrNameLst>
+                                          <p:attrName>style.visibility</p:attrName>
+                                        </p:attrNameLst>
+                                      </p:cBhvr>
+                                      <p:to>
+                                        <p:strVal val="visible"/>
+                                      </p:to>
+                                    </p:set>
+                                    <p:animEffect transition="in" filter="wipe(down)">
+                                      <p:cBhvr>
+                                        <p:cTn id="7" dur="500"/>
+                                        <p:tgtEl>
+                                          <p:spTgt spid="6">
+                                            <p:txEl>
+                                              <p:pRg st="0" end="0"/>
+                                            </p:txEl>
+                                          </p:spTgt>
+                                        </p:tgtEl>
+                                      </p:cBhvr>
+                                    </p:animEffect>
+                                  </p:childTnLst>
+                                </p:cTn>
+                              </p:par>
+                            </p:childTnLst>
+                          </p:cTn>
+                        </p:par>
+                      </p:childTnLst>
+                    </p:cTn>
+                  </p:par>
+                  <p:par>
+                    <p:cTn id="8" fill="hold">
+                      <p:stCondLst>
+                        <p:cond delay="indefinite"/>
+                      </p:stCondLst>
+                      <p:childTnLst>
+                        <p:par>
+                          <p:cTn id="9" fill="hold">
+                            <p:stCondLst>
+                              <p:cond delay="0"/>
+                            </p:stCondLst>
+                            <p:childTnLst>
+                              <p:par>
+                                <p:cTn id="10" presetID="22" presetClass="entr" presetSubtype="4" fill="hold" grpId="0" nodeType="clickEffect">
+                                  <p:stCondLst>
+                                    <p:cond delay="0"/>
+                                  </p:stCondLst>
+                                  <p:childTnLst>
+                                    <p:set>
+                                      <p:cBhvr>
+                                        <p:cTn id="11" dur="1" fill="hold">
+                                          <p:stCondLst>
+                                            <p:cond delay="0"/>
+                                          </p:stCondLst>
+                                        </p:cTn>
+                                        <p:tgtEl>
+                                          <p:spTgt spid="4">
+                                            <p:txEl>
+                                              <p:pRg st="0" end="0"/>
+                                            </p:txEl>
+                                          </p:spTgt>
+                                        </p:tgtEl>
+                                        <p:attrNameLst>
+                                          <p:attrName>style.visibility</p:attrName>
+                                        </p:attrNameLst>
+                                      </p:cBhvr>
+                                      <p:to>
+                                        <p:strVal val="visible"/>
+                                      </p:to>
+                                    </p:set>
+                                    <p:animEffect transition="in" filter="wipe(down)">
+                                      <p:cBhvr>
+                                        <p:cTn id="12" dur="500"/>
+                                        <p:tgtEl>
+                                          <p:spTgt spid="4">
+                                            <p:txEl>
+                                              <p:pRg st="0" end="0"/>
+                                            </p:txEl>
+                                          </p:spTgt>
+                                        </p:tgtEl>
+                                      </p:cBhvr>
+                                    </p:animEffect>
+                                  </p:childTnLst>
+                                </p:cTn>
+                              </p:par>
+                              <p:par>
+                                <p:cTn id="13" presetID="22" presetClass="entr" presetSubtype="4" fill="hold" grpId="0" nodeType="withEffect">
+                                  <p:stCondLst>
+                                    <p:cond delay="0"/>
+                                  </p:stCondLst>
+                                  <p:childTnLst>
+                                    <p:set>
+                                      <p:cBhvr>
+                                        <p:cTn id="14" dur="1" fill="hold">
+                                          <p:stCondLst>
+                                            <p:cond delay="0"/>
+                                          </p:stCondLst>
+                                        </p:cTn>
+                                        <p:tgtEl>
+                                          <p:spTgt spid="4">
+                                            <p:txEl>
+                                              <p:pRg st="1" end="1"/>
+                                            </p:txEl>
+                                          </p:spTgt>
+                                        </p:tgtEl>
+                                        <p:attrNameLst>
+                                          <p:attrName>style.visibility</p:attrName>
+                                        </p:attrNameLst>
+                                      </p:cBhvr>
+                                      <p:to>
+                                        <p:strVal val="visible"/>
+                                      </p:to>
+                                    </p:set>
+                                    <p:animEffect transition="in" filter="wipe(down)">
+                                      <p:cBhvr>
+                                        <p:cTn id="15" dur="500"/>
+                                        <p:tgtEl>
+                                          <p:spTgt spid="4">
+                                            <p:txEl>
+                                              <p:pRg st="1" end="1"/>
+                                            </p:txEl>
+                                          </p:spTgt>
+                                        </p:tgtEl>
+                                      </p:cBhvr>
+                                    </p:animEffect>
+                                  </p:childTnLst>
+                                </p:cTn>
+                              </p:par>
+                            </p:childTnLst>
+                          </p:cTn>
+                        </p:par>
+                      </p:childTnLst>
+                    </p:cTn>
+                  </p:par>
+                </p:childTnLst>
+              </p:cTn>
+              <p:prevCondLst>
+                <p:cond evt="onPrev" delay="0">
+                  <p:tgtEl>
+                    <p:sldTgt/>
+                  </p:tgtEl>
+                </p:cond>
+              </p:prevCondLst>
+              <p:nextCondLst>
+                <p:cond evt="onNext" delay="0">
+                  <p:tgtEl>
+                    <p:sldTgt/>
+                  </p:tgtEl>
+                </p:cond>
+              </p:nextCondLst>
+            </p:seq>
+          </p:childTnLst>
+        </p:cTn>
       </p:par>
     </p:tnLst>
+    <p:bldLst>
+      <p:bldP spid="6" grpId="0" build="allAtOnce"/>
+      <p:bldP spid="4" grpId="0" build="allAtOnce"/>
+    </p:bldLst>
   </p:timing>
 </p:sld>
 </file>
@@ -6035,20 +7497,7 @@
                 <a:latin typeface="华文楷体" pitchFamily="2" charset="-122"/>
                 <a:ea typeface="华文楷体" pitchFamily="2" charset="-122"/>
               </a:rPr>
-              <a:t>投票者众多，容易混乱，所以需要一个管理者来整合投票结果，做出最终</a:t>
-            </a:r>
-            <a:r>
-              <a:rPr lang="zh-CN" altLang="en-US" sz="3200" b="1" dirty="0" smtClean="0">
-                <a:solidFill>
-                  <a:schemeClr val="tx1">
-                    <a:lumMod val="75000"/>
-                    <a:lumOff val="25000"/>
-                  </a:schemeClr>
-                </a:solidFill>
-                <a:latin typeface="华文楷体" pitchFamily="2" charset="-122"/>
-                <a:ea typeface="华文楷体" pitchFamily="2" charset="-122"/>
-              </a:rPr>
-              <a:t>裁决</a:t>
+              <a:t>投票者众多，容易混乱，所以需要一个管理者来整合投票结果，做出最终裁决</a:t>
             </a:r>
             <a:endParaRPr lang="en-US" altLang="zh-CN" sz="3200" b="1" dirty="0" smtClean="0">
               <a:solidFill>
@@ -6096,20 +7545,7 @@
                 <a:latin typeface="华文楷体" pitchFamily="2" charset="-122"/>
                 <a:ea typeface="华文楷体" pitchFamily="2" charset="-122"/>
               </a:rPr>
-              <a:t>管理</a:t>
-            </a:r>
-            <a:r>
-              <a:rPr lang="zh-CN" altLang="en-US" sz="3200" b="1" dirty="0" smtClean="0">
-                <a:solidFill>
-                  <a:schemeClr val="tx1">
-                    <a:lumMod val="75000"/>
-                    <a:lumOff val="25000"/>
-                  </a:schemeClr>
-                </a:solidFill>
-                <a:latin typeface="华文楷体" pitchFamily="2" charset="-122"/>
-                <a:ea typeface="华文楷体" pitchFamily="2" charset="-122"/>
-              </a:rPr>
-              <a:t>者</a:t>
+              <a:t>管理者</a:t>
             </a:r>
             <a:r>
               <a:rPr lang="en-US" altLang="zh-CN" sz="3200" b="1" dirty="0" smtClean="0">
@@ -6164,9 +7600,139 @@
   <p:timing>
     <p:tnLst>
       <p:par>
-        <p:cTn id="1" dur="indefinite" restart="never" nodeType="tmRoot"/>
+        <p:cTn id="1" dur="indefinite" restart="never" nodeType="tmRoot">
+          <p:childTnLst>
+            <p:seq concurrent="1" nextAc="seek">
+              <p:cTn id="2" dur="indefinite" nodeType="mainSeq">
+                <p:childTnLst>
+                  <p:par>
+                    <p:cTn id="3" fill="hold">
+                      <p:stCondLst>
+                        <p:cond delay="indefinite"/>
+                      </p:stCondLst>
+                      <p:childTnLst>
+                        <p:par>
+                          <p:cTn id="4" fill="hold">
+                            <p:stCondLst>
+                              <p:cond delay="0"/>
+                            </p:stCondLst>
+                            <p:childTnLst>
+                              <p:par>
+                                <p:cTn id="5" presetID="22" presetClass="entr" presetSubtype="4" fill="hold" grpId="0" nodeType="clickEffect">
+                                  <p:stCondLst>
+                                    <p:cond delay="0"/>
+                                  </p:stCondLst>
+                                  <p:childTnLst>
+                                    <p:set>
+                                      <p:cBhvr>
+                                        <p:cTn id="6" dur="1" fill="hold">
+                                          <p:stCondLst>
+                                            <p:cond delay="0"/>
+                                          </p:stCondLst>
+                                        </p:cTn>
+                                        <p:tgtEl>
+                                          <p:spTgt spid="4">
+                                            <p:txEl>
+                                              <p:pRg st="0" end="0"/>
+                                            </p:txEl>
+                                          </p:spTgt>
+                                        </p:tgtEl>
+                                        <p:attrNameLst>
+                                          <p:attrName>style.visibility</p:attrName>
+                                        </p:attrNameLst>
+                                      </p:cBhvr>
+                                      <p:to>
+                                        <p:strVal val="visible"/>
+                                      </p:to>
+                                    </p:set>
+                                    <p:animEffect transition="in" filter="wipe(down)">
+                                      <p:cBhvr>
+                                        <p:cTn id="7" dur="500"/>
+                                        <p:tgtEl>
+                                          <p:spTgt spid="4">
+                                            <p:txEl>
+                                              <p:pRg st="0" end="0"/>
+                                            </p:txEl>
+                                          </p:spTgt>
+                                        </p:tgtEl>
+                                      </p:cBhvr>
+                                    </p:animEffect>
+                                  </p:childTnLst>
+                                </p:cTn>
+                              </p:par>
+                              <p:par>
+                                <p:cTn id="8" presetID="22" presetClass="entr" presetSubtype="4" fill="hold" grpId="0" nodeType="withEffect">
+                                  <p:stCondLst>
+                                    <p:cond delay="0"/>
+                                  </p:stCondLst>
+                                  <p:childTnLst>
+                                    <p:set>
+                                      <p:cBhvr>
+                                        <p:cTn id="9" dur="1" fill="hold">
+                                          <p:stCondLst>
+                                            <p:cond delay="0"/>
+                                          </p:stCondLst>
+                                        </p:cTn>
+                                        <p:tgtEl>
+                                          <p:spTgt spid="4">
+                                            <p:txEl>
+                                              <p:pRg st="1" end="1"/>
+                                            </p:txEl>
+                                          </p:spTgt>
+                                        </p:tgtEl>
+                                        <p:attrNameLst>
+                                          <p:attrName>style.visibility</p:attrName>
+                                        </p:attrNameLst>
+                                      </p:cBhvr>
+                                      <p:to>
+                                        <p:strVal val="visible"/>
+                                      </p:to>
+                                    </p:set>
+                                    <p:animEffect transition="in" filter="wipe(down)">
+                                      <p:cBhvr>
+                                        <p:cTn id="10" dur="500"/>
+                                        <p:tgtEl>
+                                          <p:spTgt spid="4">
+                                            <p:txEl>
+                                              <p:pRg st="1" end="1"/>
+                                            </p:txEl>
+                                          </p:spTgt>
+                                        </p:tgtEl>
+                                      </p:cBhvr>
+                                    </p:animEffect>
+                                  </p:childTnLst>
+                                </p:cTn>
+                              </p:par>
+                            </p:childTnLst>
+                          </p:cTn>
+                        </p:par>
+                      </p:childTnLst>
+                    </p:cTn>
+                  </p:par>
+                </p:childTnLst>
+              </p:cTn>
+              <p:prevCondLst>
+                <p:cond evt="onPrev" delay="0">
+                  <p:tgtEl>
+                    <p:sldTgt/>
+                  </p:tgtEl>
+                </p:cond>
+              </p:prevCondLst>
+              <p:nextCondLst>
+                <p:cond evt="onNext" delay="0">
+                  <p:tgtEl>
+                    <p:sldTgt/>
+                  </p:tgtEl>
+                </p:cond>
+              </p:nextCondLst>
+            </p:seq>
+          </p:childTnLst>
+        </p:cTn>
       </p:par>
     </p:tnLst>
+    <p:bldLst>
+      <p:bldP spid="4" grpId="0" build="allAtOnce"/>
+    </p:bldLst>
   </p:timing>
 </p:sld>
 </file>
@@ -6284,7 +7850,7 @@
         <p:spPr>
           <a:xfrm>
             <a:off x="714348" y="1500174"/>
-            <a:ext cx="8001056" cy="2554545"/>
+            <a:ext cx="8001056" cy="584775"/>
           </a:xfrm>
           <a:prstGeom prst="rect">
             <a:avLst/>
@@ -6308,7 +7874,20 @@
                 <a:latin typeface="华文楷体" pitchFamily="2" charset="-122"/>
                 <a:ea typeface="华文楷体" pitchFamily="2" charset="-122"/>
               </a:rPr>
-              <a:t>要求：只要拥有管理员角色，直接放行</a:t>
+              <a:t>要求：只要拥有管理员角色，直接</a:t>
+            </a:r>
+            <a:r>
+              <a:rPr lang="zh-CN" altLang="en-US" sz="3200" b="1" dirty="0" smtClean="0">
+                <a:solidFill>
+                  <a:schemeClr val="tx1">
+                    <a:lumMod val="75000"/>
+                    <a:lumOff val="25000"/>
+                  </a:schemeClr>
+                </a:solidFill>
+                <a:latin typeface="华文楷体" pitchFamily="2" charset="-122"/>
+                <a:ea typeface="华文楷体" pitchFamily="2" charset="-122"/>
+              </a:rPr>
+              <a:t>放行</a:t>
             </a:r>
             <a:endParaRPr lang="en-US" altLang="zh-CN" sz="3200" b="1" dirty="0" smtClean="0">
               <a:solidFill>
@@ -6321,6 +7900,29 @@
               <a:ea typeface="华文楷体" pitchFamily="2" charset="-122"/>
             </a:endParaRPr>
           </a:p>
+        </p:txBody>
+      </p:sp>
+      <p:sp>
+        <p:nvSpPr>
+          <p:cNvPr id="4" name="TextBox 3"/>
+          <p:cNvSpPr txBox="1"/>
+          <p:nvPr/>
+        </p:nvSpPr>
+        <p:spPr>
+          <a:xfrm>
+            <a:off x="714348" y="2160339"/>
+            <a:ext cx="8001056" cy="2062103"/>
+          </a:xfrm>
+          <a:prstGeom prst="rect">
+            <a:avLst/>
+          </a:prstGeom>
+          <a:noFill/>
+        </p:spPr>
+        <p:txBody>
+          <a:bodyPr wrap="square" rtlCol="0">
+            <a:spAutoFit/>
+          </a:bodyPr>
+          <a:lstStyle/>
           <a:p>
             <a:r>
               <a:rPr lang="zh-CN" altLang="en-US" sz="3200" b="1" dirty="0" smtClean="0">
@@ -6333,7 +7935,20 @@
                 <a:latin typeface="华文楷体" pitchFamily="2" charset="-122"/>
                 <a:ea typeface="华文楷体" pitchFamily="2" charset="-122"/>
               </a:rPr>
-              <a:t>实现：定义一个基于角色的投票者，检查当前用户是否具有管理员角色。有则投通过，允许访问；无则投弃权，让后续投票者继续投票</a:t>
+              <a:t>实现</a:t>
+            </a:r>
+            <a:r>
+              <a:rPr lang="zh-CN" altLang="en-US" sz="3200" b="1" dirty="0" smtClean="0">
+                <a:solidFill>
+                  <a:schemeClr val="tx1">
+                    <a:lumMod val="75000"/>
+                    <a:lumOff val="25000"/>
+                  </a:schemeClr>
+                </a:solidFill>
+                <a:latin typeface="华文楷体" pitchFamily="2" charset="-122"/>
+                <a:ea typeface="华文楷体" pitchFamily="2" charset="-122"/>
+              </a:rPr>
+              <a:t>：定义一个基于角色的投票者，检查当前用户是否具有管理员角色。有则投通过，允许访问；无则投弃权，让后续投票者继续投票</a:t>
             </a:r>
             <a:endParaRPr lang="en-US" altLang="zh-CN" sz="3200" b="1" dirty="0" smtClean="0">
               <a:solidFill>
@@ -6356,9 +7971,96 @@
   <p:timing>
     <p:tnLst>
       <p:par>
-        <p:cTn id="1" dur="indefinite" restart="never" nodeType="tmRoot"/>
+        <p:cTn id="1" dur="indefinite" restart="never" nodeType="tmRoot">
+          <p:childTnLst>
+            <p:seq concurrent="1" nextAc="seek">
+              <p:cTn id="2" dur="indefinite" nodeType="mainSeq">
+                <p:childTnLst>
+                  <p:par>
+                    <p:cTn id="3" fill="hold">
+                      <p:stCondLst>
+                        <p:cond delay="indefinite"/>
+                      </p:stCondLst>
+                      <p:childTnLst>
+                        <p:par>
+                          <p:cTn id="4" fill="hold">
+                            <p:stCondLst>
+                              <p:cond delay="0"/>
+                            </p:stCondLst>
+                            <p:childTnLst>
+                              <p:par>
+                                <p:cTn id="5" presetID="22" presetClass="entr" presetSubtype="4" fill="hold" grpId="0" nodeType="clickEffect">
+                                  <p:stCondLst>
+                                    <p:cond delay="0"/>
+                                  </p:stCondLst>
+                                  <p:childTnLst>
+                                    <p:set>
+                                      <p:cBhvr>
+                                        <p:cTn id="6" dur="1" fill="hold">
+                                          <p:stCondLst>
+                                            <p:cond delay="0"/>
+                                          </p:stCondLst>
+                                        </p:cTn>
+                                        <p:tgtEl>
+                                          <p:spTgt spid="4">
+                                            <p:txEl>
+                                              <p:pRg st="0" end="0"/>
+                                            </p:txEl>
+                                          </p:spTgt>
+                                        </p:tgtEl>
+                                        <p:attrNameLst>
+                                          <p:attrName>style.visibility</p:attrName>
+                                        </p:attrNameLst>
+                                      </p:cBhvr>
+                                      <p:to>
+                                        <p:strVal val="visible"/>
+                                      </p:to>
+                                    </p:set>
+                                    <p:animEffect transition="in" filter="wipe(down)">
+                                      <p:cBhvr>
+                                        <p:cTn id="7" dur="500"/>
+                                        <p:tgtEl>
+                                          <p:spTgt spid="4">
+                                            <p:txEl>
+                                              <p:pRg st="0" end="0"/>
+                                            </p:txEl>
+                                          </p:spTgt>
+                                        </p:tgtEl>
+                                      </p:cBhvr>
+                                    </p:animEffect>
+                                  </p:childTnLst>
+                                </p:cTn>
+                              </p:par>
+                            </p:childTnLst>
+                          </p:cTn>
+                        </p:par>
+                      </p:childTnLst>
+                    </p:cTn>
+                  </p:par>
+                </p:childTnLst>
+              </p:cTn>
+              <p:prevCondLst>
+                <p:cond evt="onPrev" delay="0">
+                  <p:tgtEl>
+                    <p:sldTgt/>
+                  </p:tgtEl>
+                </p:cond>
+              </p:prevCondLst>
+              <p:nextCondLst>
+                <p:cond evt="onNext" delay="0">
+                  <p:tgtEl>
+                    <p:sldTgt/>
+                  </p:tgtEl>
+                </p:cond>
+              </p:nextCondLst>
+            </p:seq>
+          </p:childTnLst>
+        </p:cTn>
       </p:par>
     </p:tnLst>
+    <p:bldLst>
+      <p:bldP spid="4" grpId="0" build="allAtOnce"/>
+    </p:bldLst>
   </p:timing>
 </p:sld>
 </file>
@@ -6476,7 +8178,7 @@
         <p:spPr>
           <a:xfrm>
             <a:off x="714348" y="1500174"/>
-            <a:ext cx="8001056" cy="4524315"/>
+            <a:ext cx="8001056" cy="2554545"/>
           </a:xfrm>
           <a:prstGeom prst="rect">
             <a:avLst/>
@@ -6552,7 +8254,20 @@
                 <a:latin typeface="华文楷体" pitchFamily="2" charset="-122"/>
                 <a:ea typeface="华文楷体" pitchFamily="2" charset="-122"/>
               </a:rPr>
-              <a:t>里。当用户执行操作时，</a:t>
+              <a:t>里。当用户执行操作时，获取当前</a:t>
+            </a:r>
+            <a:r>
+              <a:rPr lang="en-US" altLang="zh-CN" sz="3200" b="1" dirty="0" err="1" smtClean="0">
+                <a:solidFill>
+                  <a:schemeClr val="tx1">
+                    <a:lumMod val="75000"/>
+                    <a:lumOff val="25000"/>
+                  </a:schemeClr>
+                </a:solidFill>
+                <a:latin typeface="华文楷体" pitchFamily="2" charset="-122"/>
+                <a:ea typeface="华文楷体" pitchFamily="2" charset="-122"/>
+              </a:rPr>
+              <a:t>url</a:t>
             </a:r>
             <a:r>
               <a:rPr lang="zh-CN" altLang="en-US" sz="3200" b="1" dirty="0" smtClean="0">
@@ -6565,7 +8280,7 @@
                 <a:latin typeface="华文楷体" pitchFamily="2" charset="-122"/>
                 <a:ea typeface="华文楷体" pitchFamily="2" charset="-122"/>
               </a:rPr>
-              <a:t>获取当前</a:t>
+              <a:t>，并与用户可访问的</a:t>
             </a:r>
             <a:r>
               <a:rPr lang="en-US" altLang="zh-CN" sz="3200" b="1" dirty="0" err="1" smtClean="0">
@@ -6578,7 +8293,7 @@
                 <a:latin typeface="华文楷体" pitchFamily="2" charset="-122"/>
                 <a:ea typeface="华文楷体" pitchFamily="2" charset="-122"/>
               </a:rPr>
-              <a:t>url</a:t>
+              <a:t>uri</a:t>
             </a:r>
             <a:r>
               <a:rPr lang="zh-CN" altLang="en-US" sz="3200" b="1" dirty="0" smtClean="0">
@@ -6591,7 +8306,7 @@
                 <a:latin typeface="华文楷体" pitchFamily="2" charset="-122"/>
                 <a:ea typeface="华文楷体" pitchFamily="2" charset="-122"/>
               </a:rPr>
-              <a:t>，并与用户</a:t>
+              <a:t>进行比对，来决定用户是否可以执行此</a:t>
             </a:r>
             <a:r>
               <a:rPr lang="zh-CN" altLang="en-US" sz="3200" b="1" dirty="0" smtClean="0">
@@ -6604,33 +8319,7 @@
                 <a:latin typeface="华文楷体" pitchFamily="2" charset="-122"/>
                 <a:ea typeface="华文楷体" pitchFamily="2" charset="-122"/>
               </a:rPr>
-              <a:t>可访问的</a:t>
-            </a:r>
-            <a:r>
-              <a:rPr lang="en-US" altLang="zh-CN" sz="3200" b="1" dirty="0" err="1" smtClean="0">
-                <a:solidFill>
-                  <a:schemeClr val="tx1">
-                    <a:lumMod val="75000"/>
-                    <a:lumOff val="25000"/>
-                  </a:schemeClr>
-                </a:solidFill>
-                <a:latin typeface="华文楷体" pitchFamily="2" charset="-122"/>
-                <a:ea typeface="华文楷体" pitchFamily="2" charset="-122"/>
-              </a:rPr>
-              <a:t>uri</a:t>
-            </a:r>
-            <a:r>
-              <a:rPr lang="zh-CN" altLang="en-US" sz="3200" b="1" dirty="0" smtClean="0">
-                <a:solidFill>
-                  <a:schemeClr val="tx1">
-                    <a:lumMod val="75000"/>
-                    <a:lumOff val="25000"/>
-                  </a:schemeClr>
-                </a:solidFill>
-                <a:latin typeface="华文楷体" pitchFamily="2" charset="-122"/>
-                <a:ea typeface="华文楷体" pitchFamily="2" charset="-122"/>
-              </a:rPr>
-              <a:t>进行比对，来决定用户是否可以执行此操作</a:t>
+              <a:t>操作</a:t>
             </a:r>
             <a:endParaRPr lang="en-US" altLang="zh-CN" sz="3200" b="1" dirty="0" smtClean="0">
               <a:solidFill>
@@ -6643,6 +8332,29 @@
               <a:ea typeface="华文楷体" pitchFamily="2" charset="-122"/>
             </a:endParaRPr>
           </a:p>
+        </p:txBody>
+      </p:sp>
+      <p:sp>
+        <p:nvSpPr>
+          <p:cNvPr id="4" name="TextBox 3"/>
+          <p:cNvSpPr txBox="1"/>
+          <p:nvPr/>
+        </p:nvSpPr>
+        <p:spPr>
+          <a:xfrm>
+            <a:off x="714348" y="4071942"/>
+            <a:ext cx="8001056" cy="2062103"/>
+          </a:xfrm>
+          <a:prstGeom prst="rect">
+            <a:avLst/>
+          </a:prstGeom>
+          <a:noFill/>
+        </p:spPr>
+        <p:txBody>
+          <a:bodyPr wrap="square" rtlCol="0">
+            <a:spAutoFit/>
+          </a:bodyPr>
+          <a:lstStyle/>
           <a:p>
             <a:r>
               <a:rPr lang="zh-CN" altLang="en-US" sz="3200" b="1" dirty="0" smtClean="0">
@@ -6655,7 +8367,20 @@
                 <a:latin typeface="华文楷体" pitchFamily="2" charset="-122"/>
                 <a:ea typeface="华文楷体" pitchFamily="2" charset="-122"/>
               </a:rPr>
-              <a:t>实现：定义一个基于</a:t>
+              <a:t>实现</a:t>
+            </a:r>
+            <a:r>
+              <a:rPr lang="zh-CN" altLang="en-US" sz="3200" b="1" dirty="0" smtClean="0">
+                <a:solidFill>
+                  <a:schemeClr val="tx1">
+                    <a:lumMod val="75000"/>
+                    <a:lumOff val="25000"/>
+                  </a:schemeClr>
+                </a:solidFill>
+                <a:latin typeface="华文楷体" pitchFamily="2" charset="-122"/>
+                <a:ea typeface="华文楷体" pitchFamily="2" charset="-122"/>
+              </a:rPr>
+              <a:t>：定义一个基于</a:t>
             </a:r>
             <a:r>
               <a:rPr lang="en-US" altLang="zh-CN" sz="3200" b="1" dirty="0" smtClean="0">
@@ -6707,7 +8432,20 @@
                 <a:latin typeface="华文楷体" pitchFamily="2" charset="-122"/>
                 <a:ea typeface="华文楷体" pitchFamily="2" charset="-122"/>
               </a:rPr>
-              <a:t>中获取当前</a:t>
+              <a:t>中获取当前请求</a:t>
+            </a:r>
+            <a:r>
+              <a:rPr lang="en-US" altLang="zh-CN" sz="3200" b="1" dirty="0" err="1" smtClean="0">
+                <a:solidFill>
+                  <a:schemeClr val="tx1">
+                    <a:lumMod val="75000"/>
+                    <a:lumOff val="25000"/>
+                  </a:schemeClr>
+                </a:solidFill>
+                <a:latin typeface="华文楷体" pitchFamily="2" charset="-122"/>
+                <a:ea typeface="华文楷体" pitchFamily="2" charset="-122"/>
+              </a:rPr>
+              <a:t>url</a:t>
             </a:r>
             <a:r>
               <a:rPr lang="zh-CN" altLang="en-US" sz="3200" b="1" dirty="0" smtClean="0">
@@ -6720,46 +8458,7 @@
                 <a:latin typeface="华文楷体" pitchFamily="2" charset="-122"/>
                 <a:ea typeface="华文楷体" pitchFamily="2" charset="-122"/>
               </a:rPr>
-              <a:t>请求</a:t>
-            </a:r>
-            <a:r>
-              <a:rPr lang="en-US" altLang="zh-CN" sz="3200" b="1" dirty="0" err="1" smtClean="0">
-                <a:solidFill>
-                  <a:schemeClr val="tx1">
-                    <a:lumMod val="75000"/>
-                    <a:lumOff val="25000"/>
-                  </a:schemeClr>
-                </a:solidFill>
-                <a:latin typeface="华文楷体" pitchFamily="2" charset="-122"/>
-                <a:ea typeface="华文楷体" pitchFamily="2" charset="-122"/>
-              </a:rPr>
-              <a:t>url</a:t>
-            </a:r>
-            <a:r>
-              <a:rPr lang="zh-CN" altLang="en-US" sz="3200" b="1" dirty="0" smtClean="0">
-                <a:solidFill>
-                  <a:schemeClr val="tx1">
-                    <a:lumMod val="75000"/>
-                    <a:lumOff val="25000"/>
-                  </a:schemeClr>
-                </a:solidFill>
-                <a:latin typeface="华文楷体" pitchFamily="2" charset="-122"/>
-                <a:ea typeface="华文楷体" pitchFamily="2" charset="-122"/>
-              </a:rPr>
-              <a:t>，</a:t>
-            </a:r>
-            <a:r>
-              <a:rPr lang="zh-CN" altLang="en-US" sz="3200" b="1" dirty="0" smtClean="0">
-                <a:solidFill>
-                  <a:schemeClr val="tx1">
-                    <a:lumMod val="75000"/>
-                    <a:lumOff val="25000"/>
-                  </a:schemeClr>
-                </a:solidFill>
-                <a:latin typeface="华文楷体" pitchFamily="2" charset="-122"/>
-                <a:ea typeface="华文楷体" pitchFamily="2" charset="-122"/>
-              </a:rPr>
-              <a:t>并去用户的权限集合中进行比对，有则投通过，允许访问，无则投拒绝，无权访问</a:t>
+              <a:t>，并去用户的权限集合中进行比对，有则投通过，允许访问，无则投拒绝，无权访问</a:t>
             </a:r>
             <a:endParaRPr lang="en-US" altLang="zh-CN" sz="3200" b="1" dirty="0" smtClean="0">
               <a:solidFill>
@@ -6782,9 +8481,158 @@
   <p:timing>
     <p:tnLst>
       <p:par>
-        <p:cTn id="1" dur="indefinite" restart="never" nodeType="tmRoot"/>
+        <p:cTn id="1" dur="indefinite" restart="never" nodeType="tmRoot">
+          <p:childTnLst>
+            <p:seq concurrent="1" nextAc="seek">
+              <p:cTn id="2" dur="indefinite" nodeType="mainSeq">
+                <p:childTnLst>
+                  <p:par>
+                    <p:cTn id="3" fill="hold">
+                      <p:stCondLst>
+                        <p:cond delay="indefinite"/>
+                      </p:stCondLst>
+                      <p:childTnLst>
+                        <p:par>
+                          <p:cTn id="4" fill="hold">
+                            <p:stCondLst>
+                              <p:cond delay="0"/>
+                            </p:stCondLst>
+                            <p:childTnLst>
+                              <p:par>
+                                <p:cTn id="5" presetID="22" presetClass="entr" presetSubtype="4" fill="hold" grpId="0" nodeType="clickEffect">
+                                  <p:stCondLst>
+                                    <p:cond delay="0"/>
+                                  </p:stCondLst>
+                                  <p:childTnLst>
+                                    <p:set>
+                                      <p:cBhvr>
+                                        <p:cTn id="6" dur="1" fill="hold">
+                                          <p:stCondLst>
+                                            <p:cond delay="0"/>
+                                          </p:stCondLst>
+                                        </p:cTn>
+                                        <p:tgtEl>
+                                          <p:spTgt spid="7">
+                                            <p:txEl>
+                                              <p:pRg st="0" end="0"/>
+                                            </p:txEl>
+                                          </p:spTgt>
+                                        </p:tgtEl>
+                                        <p:attrNameLst>
+                                          <p:attrName>style.visibility</p:attrName>
+                                        </p:attrNameLst>
+                                      </p:cBhvr>
+                                      <p:to>
+                                        <p:strVal val="visible"/>
+                                      </p:to>
+                                    </p:set>
+                                    <p:animEffect transition="in" filter="wipe(down)">
+                                      <p:cBhvr>
+                                        <p:cTn id="7" dur="500"/>
+                                        <p:tgtEl>
+                                          <p:spTgt spid="7">
+                                            <p:txEl>
+                                              <p:pRg st="0" end="0"/>
+                                            </p:txEl>
+                                          </p:spTgt>
+                                        </p:tgtEl>
+                                      </p:cBhvr>
+                                    </p:animEffect>
+                                  </p:childTnLst>
+                                </p:cTn>
+                              </p:par>
+                            </p:childTnLst>
+                          </p:cTn>
+                        </p:par>
+                      </p:childTnLst>
+                    </p:cTn>
+                  </p:par>
+                  <p:par>
+                    <p:cTn id="8" fill="hold">
+                      <p:stCondLst>
+                        <p:cond delay="indefinite"/>
+                      </p:stCondLst>
+                      <p:childTnLst>
+                        <p:par>
+                          <p:cTn id="9" fill="hold">
+                            <p:stCondLst>
+                              <p:cond delay="0"/>
+                            </p:stCondLst>
+                            <p:childTnLst>
+                              <p:par>
+                                <p:cTn id="10" presetID="22" presetClass="entr" presetSubtype="4" fill="hold" grpId="0" nodeType="clickEffect">
+                                  <p:stCondLst>
+                                    <p:cond delay="0"/>
+                                  </p:stCondLst>
+                                  <p:childTnLst>
+                                    <p:set>
+                                      <p:cBhvr>
+                                        <p:cTn id="11" dur="1" fill="hold">
+                                          <p:stCondLst>
+                                            <p:cond delay="0"/>
+                                          </p:stCondLst>
+                                        </p:cTn>
+                                        <p:tgtEl>
+                                          <p:spTgt spid="4">
+                                            <p:txEl>
+                                              <p:pRg st="0" end="0"/>
+                                            </p:txEl>
+                                          </p:spTgt>
+                                        </p:tgtEl>
+                                        <p:attrNameLst>
+                                          <p:attrName>style.visibility</p:attrName>
+                                        </p:attrNameLst>
+                                      </p:cBhvr>
+                                      <p:to>
+                                        <p:strVal val="visible"/>
+                                      </p:to>
+                                    </p:set>
+                                    <p:animEffect transition="in" filter="wipe(down)">
+                                      <p:cBhvr>
+                                        <p:cTn id="12" dur="500"/>
+                                        <p:tgtEl>
+                                          <p:spTgt spid="4">
+                                            <p:txEl>
+                                              <p:pRg st="0" end="0"/>
+                                            </p:txEl>
+                                          </p:spTgt>
+                                        </p:tgtEl>
+                                      </p:cBhvr>
+                                    </p:animEffect>
+                                  </p:childTnLst>
+                                </p:cTn>
+                              </p:par>
+                            </p:childTnLst>
+                          </p:cTn>
+                        </p:par>
+                      </p:childTnLst>
+                    </p:cTn>
+                  </p:par>
+                </p:childTnLst>
+              </p:cTn>
+              <p:prevCondLst>
+                <p:cond evt="onPrev" delay="0">
+                  <p:tgtEl>
+                    <p:sldTgt/>
+                  </p:tgtEl>
+                </p:cond>
+              </p:prevCondLst>
+              <p:nextCondLst>
+                <p:cond evt="onNext" delay="0">
+                  <p:tgtEl>
+                    <p:sldTgt/>
+                  </p:tgtEl>
+                </p:cond>
+              </p:nextCondLst>
+            </p:seq>
+          </p:childTnLst>
+        </p:cTn>
       </p:par>
     </p:tnLst>
+    <p:bldLst>
+      <p:bldP spid="7" grpId="0" build="allAtOnce"/>
+      <p:bldP spid="4" grpId="0" build="allAtOnce"/>
+    </p:bldLst>
   </p:timing>
 </p:sld>
 </file>

--- a/ppt/spring-security-easy-in-02.pptx
+++ b/ppt/spring-security-easy-in-02.pptx
@@ -302,7 +302,7 @@
             <a:fld id="{530820CF-B880-4189-942D-D702A7CBA730}" type="datetimeFigureOut">
               <a:rPr lang="zh-CN" altLang="en-US" smtClean="0"/>
               <a:pPr/>
-              <a:t>2018/11/16</a:t>
+              <a:t>2018-11-17</a:t>
             </a:fld>
             <a:endParaRPr lang="zh-CN" altLang="en-US"/>
           </a:p>
@@ -469,7 +469,7 @@
             <a:fld id="{530820CF-B880-4189-942D-D702A7CBA730}" type="datetimeFigureOut">
               <a:rPr lang="zh-CN" altLang="en-US" smtClean="0"/>
               <a:pPr/>
-              <a:t>2018/11/16</a:t>
+              <a:t>2018-11-17</a:t>
             </a:fld>
             <a:endParaRPr lang="zh-CN" altLang="en-US"/>
           </a:p>
@@ -646,7 +646,7 @@
             <a:fld id="{530820CF-B880-4189-942D-D702A7CBA730}" type="datetimeFigureOut">
               <a:rPr lang="zh-CN" altLang="en-US" smtClean="0"/>
               <a:pPr/>
-              <a:t>2018/11/16</a:t>
+              <a:t>2018-11-17</a:t>
             </a:fld>
             <a:endParaRPr lang="zh-CN" altLang="en-US"/>
           </a:p>
@@ -813,7 +813,7 @@
             <a:fld id="{530820CF-B880-4189-942D-D702A7CBA730}" type="datetimeFigureOut">
               <a:rPr lang="zh-CN" altLang="en-US" smtClean="0"/>
               <a:pPr/>
-              <a:t>2018/11/16</a:t>
+              <a:t>2018-11-17</a:t>
             </a:fld>
             <a:endParaRPr lang="zh-CN" altLang="en-US"/>
           </a:p>
@@ -1056,7 +1056,7 @@
             <a:fld id="{530820CF-B880-4189-942D-D702A7CBA730}" type="datetimeFigureOut">
               <a:rPr lang="zh-CN" altLang="en-US" smtClean="0"/>
               <a:pPr/>
-              <a:t>2018/11/16</a:t>
+              <a:t>2018-11-17</a:t>
             </a:fld>
             <a:endParaRPr lang="zh-CN" altLang="en-US"/>
           </a:p>
@@ -1341,7 +1341,7 @@
             <a:fld id="{530820CF-B880-4189-942D-D702A7CBA730}" type="datetimeFigureOut">
               <a:rPr lang="zh-CN" altLang="en-US" smtClean="0"/>
               <a:pPr/>
-              <a:t>2018/11/16</a:t>
+              <a:t>2018-11-17</a:t>
             </a:fld>
             <a:endParaRPr lang="zh-CN" altLang="en-US"/>
           </a:p>
@@ -1760,7 +1760,7 @@
             <a:fld id="{530820CF-B880-4189-942D-D702A7CBA730}" type="datetimeFigureOut">
               <a:rPr lang="zh-CN" altLang="en-US" smtClean="0"/>
               <a:pPr/>
-              <a:t>2018/11/16</a:t>
+              <a:t>2018-11-17</a:t>
             </a:fld>
             <a:endParaRPr lang="zh-CN" altLang="en-US"/>
           </a:p>
@@ -1875,7 +1875,7 @@
             <a:fld id="{530820CF-B880-4189-942D-D702A7CBA730}" type="datetimeFigureOut">
               <a:rPr lang="zh-CN" altLang="en-US" smtClean="0"/>
               <a:pPr/>
-              <a:t>2018/11/16</a:t>
+              <a:t>2018-11-17</a:t>
             </a:fld>
             <a:endParaRPr lang="zh-CN" altLang="en-US"/>
           </a:p>
@@ -1967,7 +1967,7 @@
             <a:fld id="{530820CF-B880-4189-942D-D702A7CBA730}" type="datetimeFigureOut">
               <a:rPr lang="zh-CN" altLang="en-US" smtClean="0"/>
               <a:pPr/>
-              <a:t>2018/11/16</a:t>
+              <a:t>2018-11-17</a:t>
             </a:fld>
             <a:endParaRPr lang="zh-CN" altLang="en-US"/>
           </a:p>
@@ -2241,7 +2241,7 @@
             <a:fld id="{530820CF-B880-4189-942D-D702A7CBA730}" type="datetimeFigureOut">
               <a:rPr lang="zh-CN" altLang="en-US" smtClean="0"/>
               <a:pPr/>
-              <a:t>2018/11/16</a:t>
+              <a:t>2018-11-17</a:t>
             </a:fld>
             <a:endParaRPr lang="zh-CN" altLang="en-US"/>
           </a:p>
@@ -2491,7 +2491,7 @@
             <a:fld id="{530820CF-B880-4189-942D-D702A7CBA730}" type="datetimeFigureOut">
               <a:rPr lang="zh-CN" altLang="en-US" smtClean="0"/>
               <a:pPr/>
-              <a:t>2018/11/16</a:t>
+              <a:t>2018-11-17</a:t>
             </a:fld>
             <a:endParaRPr lang="zh-CN" altLang="en-US"/>
           </a:p>
@@ -2706,7 +2706,7 @@
             <a:fld id="{530820CF-B880-4189-942D-D702A7CBA730}" type="datetimeFigureOut">
               <a:rPr lang="zh-CN" altLang="en-US" smtClean="0"/>
               <a:pPr/>
-              <a:t>2018/11/16</a:t>
+              <a:t>2018-11-17</a:t>
             </a:fld>
             <a:endParaRPr lang="zh-CN" altLang="en-US"/>
           </a:p>
@@ -3085,8 +3085,8 @@
         </p:nvSpPr>
         <p:spPr>
           <a:xfrm>
-            <a:off x="785786" y="2428868"/>
-            <a:ext cx="7715304" cy="1015663"/>
+            <a:off x="179512" y="2428868"/>
+            <a:ext cx="8784976" cy="1015663"/>
           </a:xfrm>
           <a:prstGeom prst="rect">
             <a:avLst/>
@@ -3114,17 +3114,17 @@
               <a:t>轻松入门</a:t>
             </a:r>
             <a:r>
-              <a:rPr lang="en-US" altLang="zh-CN" sz="6000" b="1" dirty="0" smtClean="0">
-                <a:solidFill>
-                  <a:schemeClr val="tx1">
-                    <a:lumMod val="75000"/>
-                    <a:lumOff val="25000"/>
-                  </a:schemeClr>
-                </a:solidFill>
-                <a:latin typeface="华文楷体" pitchFamily="2" charset="-122"/>
-                <a:ea typeface="华文楷体" pitchFamily="2" charset="-122"/>
-              </a:rPr>
-              <a:t>Spring Security</a:t>
+              <a:rPr lang="en-US" altLang="zh-CN" sz="6000" b="1" dirty="0" err="1" smtClean="0">
+                <a:solidFill>
+                  <a:schemeClr val="tx1">
+                    <a:lumMod val="75000"/>
+                    <a:lumOff val="25000"/>
+                  </a:schemeClr>
+                </a:solidFill>
+                <a:latin typeface="华文楷体" pitchFamily="2" charset="-122"/>
+                <a:ea typeface="华文楷体" pitchFamily="2" charset="-122"/>
+              </a:rPr>
+              <a:t>SpringSecurity</a:t>
             </a:r>
             <a:endParaRPr lang="zh-CN" altLang="en-US" sz="6000" b="1" dirty="0">
               <a:solidFill>
@@ -4010,20 +4010,7 @@
                 <a:latin typeface="华文楷体" pitchFamily="2" charset="-122"/>
                 <a:ea typeface="华文楷体" pitchFamily="2" charset="-122"/>
               </a:rPr>
-              <a:t>等</a:t>
-            </a:r>
-            <a:r>
-              <a:rPr lang="zh-CN" altLang="en-US" sz="3200" b="1" dirty="0" smtClean="0">
-                <a:solidFill>
-                  <a:schemeClr val="tx1">
-                    <a:lumMod val="75000"/>
-                    <a:lumOff val="25000"/>
-                  </a:schemeClr>
-                </a:solidFill>
-                <a:latin typeface="华文楷体" pitchFamily="2" charset="-122"/>
-                <a:ea typeface="华文楷体" pitchFamily="2" charset="-122"/>
-              </a:rPr>
-              <a:t>。</a:t>
+              <a:t>等。</a:t>
             </a:r>
             <a:endParaRPr lang="en-US" altLang="zh-CN" sz="3200" b="1" dirty="0" smtClean="0">
               <a:solidFill>
@@ -4071,20 +4058,7 @@
                 <a:latin typeface="华文楷体" pitchFamily="2" charset="-122"/>
                 <a:ea typeface="华文楷体" pitchFamily="2" charset="-122"/>
               </a:rPr>
-              <a:t>实现</a:t>
-            </a:r>
-            <a:r>
-              <a:rPr lang="zh-CN" altLang="en-US" sz="3200" b="1" dirty="0" smtClean="0">
-                <a:solidFill>
-                  <a:schemeClr val="tx1">
-                    <a:lumMod val="75000"/>
-                    <a:lumOff val="25000"/>
-                  </a:schemeClr>
-                </a:solidFill>
-                <a:latin typeface="华文楷体" pitchFamily="2" charset="-122"/>
-                <a:ea typeface="华文楷体" pitchFamily="2" charset="-122"/>
-              </a:rPr>
-              <a:t>：定义一个投票者，当检测到这些内建权限时，按要求进行投票即可。</a:t>
+              <a:t>实现：定义一个投票者，当检测到这些内建权限时，按要求进行投票即可。</a:t>
             </a:r>
             <a:endParaRPr lang="en-US" altLang="zh-CN" sz="3200" b="1" dirty="0" smtClean="0">
               <a:solidFill>
@@ -4375,11 +4349,7 @@
             </a:r>
             <a:r>
               <a:rPr lang="en-US" altLang="zh-CN" sz="3200" dirty="0" smtClean="0"/>
-              <a:t>(‘ROLE_A’, ‘ROLE_B</a:t>
-            </a:r>
-            <a:r>
-              <a:rPr lang="en-US" altLang="zh-CN" sz="3200" dirty="0" smtClean="0"/>
-              <a:t>’)</a:t>
+              <a:t>(‘ROLE_A’, ‘ROLE_B’)</a:t>
             </a:r>
             <a:endParaRPr lang="en-US" altLang="zh-CN" sz="3200" b="1" dirty="0" smtClean="0">
               <a:solidFill>
@@ -4427,20 +4397,7 @@
                 <a:latin typeface="华文楷体" pitchFamily="2" charset="-122"/>
                 <a:ea typeface="华文楷体" pitchFamily="2" charset="-122"/>
               </a:rPr>
-              <a:t>实现</a:t>
-            </a:r>
-            <a:r>
-              <a:rPr lang="zh-CN" altLang="en-US" sz="3200" b="1" dirty="0" smtClean="0">
-                <a:solidFill>
-                  <a:schemeClr val="tx1">
-                    <a:lumMod val="75000"/>
-                    <a:lumOff val="25000"/>
-                  </a:schemeClr>
-                </a:solidFill>
-                <a:latin typeface="华文楷体" pitchFamily="2" charset="-122"/>
-                <a:ea typeface="华文楷体" pitchFamily="2" charset="-122"/>
-              </a:rPr>
-              <a:t>：在前面那个基于角色的投票者里，获取角色表达式，从中解析出角色字符串，去用户具有的角色集合里比对。有则投通过，允许访问；无则投弃权，让后续投票者继续投票</a:t>
+              <a:t>实现：在前面那个基于角色的投票者里，获取角色表达式，从中解析出角色字符串，去用户具有的角色集合里比对。有则投通过，允许访问；无则投弃权，让后续投票者继续投票</a:t>
             </a:r>
             <a:endParaRPr lang="en-US" altLang="zh-CN" sz="3200" b="1" dirty="0" smtClean="0">
               <a:solidFill>
@@ -4644,7 +4601,7 @@
         <p:spPr>
           <a:xfrm>
             <a:off x="714348" y="1500174"/>
-            <a:ext cx="7929618" cy="584775"/>
+            <a:ext cx="8250140" cy="584775"/>
           </a:xfrm>
           <a:prstGeom prst="rect">
             <a:avLst/>
@@ -4872,7 +4829,7 @@
         <p:spPr>
           <a:xfrm>
             <a:off x="714348" y="2214554"/>
-            <a:ext cx="7929618" cy="584775"/>
+            <a:ext cx="8250140" cy="584775"/>
           </a:xfrm>
           <a:prstGeom prst="rect">
             <a:avLst/>
@@ -5112,7 +5069,7 @@
         <p:spPr>
           <a:xfrm>
             <a:off x="714348" y="2643182"/>
-            <a:ext cx="7929618" cy="1077218"/>
+            <a:ext cx="8250140" cy="1077218"/>
           </a:xfrm>
           <a:prstGeom prst="rect">
             <a:avLst/>
@@ -5136,20 +5093,7 @@
                 <a:latin typeface="华文楷体" pitchFamily="2" charset="-122"/>
                 <a:ea typeface="华文楷体" pitchFamily="2" charset="-122"/>
               </a:rPr>
-              <a:t>问题</a:t>
-            </a:r>
-            <a:r>
-              <a:rPr lang="zh-CN" altLang="en-US" sz="3200" b="1" dirty="0" smtClean="0">
-                <a:solidFill>
-                  <a:schemeClr val="tx1">
-                    <a:lumMod val="75000"/>
-                    <a:lumOff val="25000"/>
-                  </a:schemeClr>
-                </a:solidFill>
-                <a:latin typeface="华文楷体" pitchFamily="2" charset="-122"/>
-                <a:ea typeface="华文楷体" pitchFamily="2" charset="-122"/>
-              </a:rPr>
-              <a:t>：</a:t>
+              <a:t>问题：</a:t>
             </a:r>
             <a:endParaRPr lang="en-US" altLang="zh-CN" sz="3200" b="1" dirty="0" smtClean="0">
               <a:solidFill>
@@ -5200,31 +5144,8 @@
                 <a:latin typeface="华文楷体" pitchFamily="2" charset="-122"/>
                 <a:ea typeface="华文楷体" pitchFamily="2" charset="-122"/>
               </a:rPr>
-              <a:t>whether or not </a:t>
-            </a:r>
-            <a:r>
-              <a:rPr lang="en-US" altLang="zh-CN" sz="3200" b="1" dirty="0" smtClean="0">
-                <a:solidFill>
-                  <a:schemeClr val="tx1">
-                    <a:lumMod val="75000"/>
-                    <a:lumOff val="25000"/>
-                  </a:schemeClr>
-                </a:solidFill>
-                <a:latin typeface="华文楷体" pitchFamily="2" charset="-122"/>
-                <a:ea typeface="华文楷体" pitchFamily="2" charset="-122"/>
-              </a:rPr>
-              <a:t>allowed</a:t>
-            </a:r>
-            <a:endParaRPr lang="en-US" altLang="zh-CN" sz="3200" b="1" dirty="0" smtClean="0">
-              <a:solidFill>
-                <a:schemeClr val="tx1">
-                  <a:lumMod val="75000"/>
-                  <a:lumOff val="25000"/>
-                </a:schemeClr>
-              </a:solidFill>
-              <a:latin typeface="华文楷体" pitchFamily="2" charset="-122"/>
-              <a:ea typeface="华文楷体" pitchFamily="2" charset="-122"/>
-            </a:endParaRPr>
+              <a:t>whether or not allowed</a:t>
+            </a:r>
           </a:p>
         </p:txBody>
       </p:sp>
@@ -5261,20 +5182,7 @@
                 <a:latin typeface="华文楷体" pitchFamily="2" charset="-122"/>
                 <a:ea typeface="华文楷体" pitchFamily="2" charset="-122"/>
               </a:rPr>
-              <a:t>实现</a:t>
-            </a:r>
-            <a:r>
-              <a:rPr lang="zh-CN" altLang="en-US" sz="3200" b="1" dirty="0" smtClean="0">
-                <a:solidFill>
-                  <a:schemeClr val="tx1">
-                    <a:lumMod val="75000"/>
-                    <a:lumOff val="25000"/>
-                  </a:schemeClr>
-                </a:solidFill>
-                <a:latin typeface="华文楷体" pitchFamily="2" charset="-122"/>
-                <a:ea typeface="华文楷体" pitchFamily="2" charset="-122"/>
-              </a:rPr>
-              <a:t>：</a:t>
+              <a:t>实现：</a:t>
             </a:r>
             <a:endParaRPr lang="en-US" altLang="zh-CN" sz="3200" b="1" dirty="0" smtClean="0">
               <a:solidFill>
@@ -5857,20 +5765,7 @@
                 <a:latin typeface="华文楷体" pitchFamily="2" charset="-122"/>
                 <a:ea typeface="华文楷体" pitchFamily="2" charset="-122"/>
               </a:rPr>
-              <a:t>需要的权限（角色</a:t>
-            </a:r>
-            <a:r>
-              <a:rPr lang="zh-CN" altLang="en-US" sz="3200" b="1" dirty="0" smtClean="0">
-                <a:solidFill>
-                  <a:schemeClr val="tx1">
-                    <a:lumMod val="75000"/>
-                    <a:lumOff val="25000"/>
-                  </a:schemeClr>
-                </a:solidFill>
-                <a:latin typeface="华文楷体" pitchFamily="2" charset="-122"/>
-                <a:ea typeface="华文楷体" pitchFamily="2" charset="-122"/>
-              </a:rPr>
-              <a:t>）</a:t>
+              <a:t>需要的权限（角色）</a:t>
             </a:r>
             <a:endParaRPr lang="en-US" altLang="zh-CN" sz="3200" b="1" dirty="0" smtClean="0">
               <a:solidFill>
@@ -5922,20 +5817,7 @@
                 <a:latin typeface="华文楷体" pitchFamily="2" charset="-122"/>
                 <a:ea typeface="华文楷体" pitchFamily="2" charset="-122"/>
               </a:rPr>
-              <a:t>：表示一个用户被授予的权限（角色</a:t>
-            </a:r>
-            <a:r>
-              <a:rPr lang="zh-CN" altLang="en-US" sz="3200" b="1" dirty="0" smtClean="0">
-                <a:solidFill>
-                  <a:schemeClr val="tx1">
-                    <a:lumMod val="75000"/>
-                    <a:lumOff val="25000"/>
-                  </a:schemeClr>
-                </a:solidFill>
-                <a:latin typeface="华文楷体" pitchFamily="2" charset="-122"/>
-                <a:ea typeface="华文楷体" pitchFamily="2" charset="-122"/>
-              </a:rPr>
-              <a:t>）</a:t>
+              <a:t>：表示一个用户被授予的权限（角色）</a:t>
             </a:r>
             <a:endParaRPr lang="en-US" altLang="zh-CN" sz="3200" b="1" dirty="0" smtClean="0">
               <a:solidFill>
@@ -5983,7 +5865,20 @@
                 <a:latin typeface="华文楷体" pitchFamily="2" charset="-122"/>
                 <a:ea typeface="华文楷体" pitchFamily="2" charset="-122"/>
               </a:rPr>
-              <a:t>一</a:t>
+              <a:t>一个</a:t>
+            </a:r>
+            <a:r>
+              <a:rPr lang="en-US" altLang="zh-CN" sz="3200" b="1" dirty="0" err="1" smtClean="0">
+                <a:solidFill>
+                  <a:schemeClr val="tx1">
+                    <a:lumMod val="75000"/>
+                    <a:lumOff val="25000"/>
+                  </a:schemeClr>
+                </a:solidFill>
+                <a:latin typeface="华文楷体" pitchFamily="2" charset="-122"/>
+                <a:ea typeface="华文楷体" pitchFamily="2" charset="-122"/>
+              </a:rPr>
+              <a:t>url</a:t>
             </a:r>
             <a:r>
               <a:rPr lang="zh-CN" altLang="en-US" sz="3200" b="1" dirty="0" smtClean="0">
@@ -5996,20 +5891,7 @@
                 <a:latin typeface="华文楷体" pitchFamily="2" charset="-122"/>
                 <a:ea typeface="华文楷体" pitchFamily="2" charset="-122"/>
               </a:rPr>
-              <a:t>个</a:t>
-            </a:r>
-            <a:r>
-              <a:rPr lang="en-US" altLang="zh-CN" sz="3200" b="1" dirty="0" err="1" smtClean="0">
-                <a:solidFill>
-                  <a:schemeClr val="tx1">
-                    <a:lumMod val="75000"/>
-                    <a:lumOff val="25000"/>
-                  </a:schemeClr>
-                </a:solidFill>
-                <a:latin typeface="华文楷体" pitchFamily="2" charset="-122"/>
-                <a:ea typeface="华文楷体" pitchFamily="2" charset="-122"/>
-              </a:rPr>
-              <a:t>url</a:t>
+              <a:t>通常对</a:t>
             </a:r>
             <a:r>
               <a:rPr lang="zh-CN" altLang="en-US" sz="3200" b="1" dirty="0" smtClean="0">
@@ -6022,7 +5904,7 @@
                 <a:latin typeface="华文楷体" pitchFamily="2" charset="-122"/>
                 <a:ea typeface="华文楷体" pitchFamily="2" charset="-122"/>
               </a:rPr>
-              <a:t>对应一个权限集合，即</a:t>
+              <a:t>应一个权限集合，即</a:t>
             </a:r>
             <a:r>
               <a:rPr lang="en-US" altLang="zh-CN" sz="3200" dirty="0" smtClean="0"/>
@@ -6036,7 +5918,6 @@
               <a:rPr lang="en-US" altLang="zh-CN" sz="3200" dirty="0" smtClean="0"/>
               <a:t>&gt;</a:t>
             </a:r>
-            <a:endParaRPr lang="en-US" altLang="zh-CN" sz="3200" dirty="0" smtClean="0"/>
           </a:p>
         </p:txBody>
       </p:sp>
@@ -6073,7 +5954,7 @@
                 <a:latin typeface="华文楷体" pitchFamily="2" charset="-122"/>
                 <a:ea typeface="华文楷体" pitchFamily="2" charset="-122"/>
               </a:rPr>
-              <a:t>一</a:t>
+              <a:t>一个用</a:t>
             </a:r>
             <a:r>
               <a:rPr lang="zh-CN" altLang="en-US" sz="3200" b="1" dirty="0" smtClean="0">
@@ -6086,7 +5967,20 @@
                 <a:latin typeface="华文楷体" pitchFamily="2" charset="-122"/>
                 <a:ea typeface="华文楷体" pitchFamily="2" charset="-122"/>
               </a:rPr>
-              <a:t>个用户拥有一个权限集合，即</a:t>
+              <a:t>户通常拥</a:t>
+            </a:r>
+            <a:r>
+              <a:rPr lang="zh-CN" altLang="en-US" sz="3200" b="1" dirty="0" smtClean="0">
+                <a:solidFill>
+                  <a:schemeClr val="tx1">
+                    <a:lumMod val="75000"/>
+                    <a:lumOff val="25000"/>
+                  </a:schemeClr>
+                </a:solidFill>
+                <a:latin typeface="华文楷体" pitchFamily="2" charset="-122"/>
+                <a:ea typeface="华文楷体" pitchFamily="2" charset="-122"/>
+              </a:rPr>
+              <a:t>有一个权限集合，即</a:t>
             </a:r>
             <a:r>
               <a:rPr lang="en-US" altLang="zh-CN" sz="3200" dirty="0" smtClean="0"/>
@@ -6100,7 +5994,6 @@
               <a:rPr lang="en-US" altLang="zh-CN" sz="3200" dirty="0" smtClean="0"/>
               <a:t>&gt;</a:t>
             </a:r>
-            <a:endParaRPr lang="en-US" altLang="zh-CN" sz="3200" dirty="0" smtClean="0"/>
           </a:p>
         </p:txBody>
       </p:sp>
@@ -6137,20 +6030,7 @@
                 <a:latin typeface="华文楷体" pitchFamily="2" charset="-122"/>
                 <a:ea typeface="华文楷体" pitchFamily="2" charset="-122"/>
               </a:rPr>
-              <a:t>看</a:t>
-            </a:r>
-            <a:r>
-              <a:rPr lang="zh-CN" altLang="en-US" sz="3200" b="1" dirty="0" smtClean="0">
-                <a:solidFill>
-                  <a:schemeClr val="tx1">
-                    <a:lumMod val="75000"/>
-                    <a:lumOff val="25000"/>
-                  </a:schemeClr>
-                </a:solidFill>
-                <a:latin typeface="华文楷体" pitchFamily="2" charset="-122"/>
-                <a:ea typeface="华文楷体" pitchFamily="2" charset="-122"/>
-              </a:rPr>
-              <a:t>这两个集合是否有交集</a:t>
+              <a:t>看这两个集合是否有交集</a:t>
             </a:r>
             <a:endParaRPr lang="en-US" altLang="zh-CN" sz="3200" b="1" dirty="0" smtClean="0">
               <a:solidFill>
@@ -6664,20 +6544,7 @@
                 <a:latin typeface="华文楷体" pitchFamily="2" charset="-122"/>
                 <a:ea typeface="华文楷体" pitchFamily="2" charset="-122"/>
               </a:rPr>
-              <a:t>和权限的对应关系，在一个请求到来时由系统</a:t>
-            </a:r>
-            <a:r>
-              <a:rPr lang="zh-CN" altLang="en-US" sz="3200" b="1" dirty="0" smtClean="0">
-                <a:solidFill>
-                  <a:schemeClr val="tx1">
-                    <a:lumMod val="75000"/>
-                    <a:lumOff val="25000"/>
-                  </a:schemeClr>
-                </a:solidFill>
-                <a:latin typeface="华文楷体" pitchFamily="2" charset="-122"/>
-                <a:ea typeface="华文楷体" pitchFamily="2" charset="-122"/>
-              </a:rPr>
-              <a:t>提供</a:t>
+              <a:t>和权限的对应关系，在一个请求到来时由系统提供</a:t>
             </a:r>
             <a:endParaRPr lang="en-US" altLang="zh-CN" sz="3200" b="1" dirty="0" smtClean="0">
               <a:solidFill>
@@ -7874,20 +7741,7 @@
                 <a:latin typeface="华文楷体" pitchFamily="2" charset="-122"/>
                 <a:ea typeface="华文楷体" pitchFamily="2" charset="-122"/>
               </a:rPr>
-              <a:t>要求：只要拥有管理员角色，直接</a:t>
-            </a:r>
-            <a:r>
-              <a:rPr lang="zh-CN" altLang="en-US" sz="3200" b="1" dirty="0" smtClean="0">
-                <a:solidFill>
-                  <a:schemeClr val="tx1">
-                    <a:lumMod val="75000"/>
-                    <a:lumOff val="25000"/>
-                  </a:schemeClr>
-                </a:solidFill>
-                <a:latin typeface="华文楷体" pitchFamily="2" charset="-122"/>
-                <a:ea typeface="华文楷体" pitchFamily="2" charset="-122"/>
-              </a:rPr>
-              <a:t>放行</a:t>
+              <a:t>要求：只要拥有管理员角色，直接放行</a:t>
             </a:r>
             <a:endParaRPr lang="en-US" altLang="zh-CN" sz="3200" b="1" dirty="0" smtClean="0">
               <a:solidFill>
@@ -7935,20 +7789,7 @@
                 <a:latin typeface="华文楷体" pitchFamily="2" charset="-122"/>
                 <a:ea typeface="华文楷体" pitchFamily="2" charset="-122"/>
               </a:rPr>
-              <a:t>实现</a:t>
-            </a:r>
-            <a:r>
-              <a:rPr lang="zh-CN" altLang="en-US" sz="3200" b="1" dirty="0" smtClean="0">
-                <a:solidFill>
-                  <a:schemeClr val="tx1">
-                    <a:lumMod val="75000"/>
-                    <a:lumOff val="25000"/>
-                  </a:schemeClr>
-                </a:solidFill>
-                <a:latin typeface="华文楷体" pitchFamily="2" charset="-122"/>
-                <a:ea typeface="华文楷体" pitchFamily="2" charset="-122"/>
-              </a:rPr>
-              <a:t>：定义一个基于角色的投票者，检查当前用户是否具有管理员角色。有则投通过，允许访问；无则投弃权，让后续投票者继续投票</a:t>
+              <a:t>实现：定义一个基于角色的投票者，检查当前用户是否具有管理员角色。有则投通过，允许访问；无则投弃权，让后续投票者继续投票</a:t>
             </a:r>
             <a:endParaRPr lang="en-US" altLang="zh-CN" sz="3200" b="1" dirty="0" smtClean="0">
               <a:solidFill>
@@ -8306,20 +8147,7 @@
                 <a:latin typeface="华文楷体" pitchFamily="2" charset="-122"/>
                 <a:ea typeface="华文楷体" pitchFamily="2" charset="-122"/>
               </a:rPr>
-              <a:t>进行比对，来决定用户是否可以执行此</a:t>
-            </a:r>
-            <a:r>
-              <a:rPr lang="zh-CN" altLang="en-US" sz="3200" b="1" dirty="0" smtClean="0">
-                <a:solidFill>
-                  <a:schemeClr val="tx1">
-                    <a:lumMod val="75000"/>
-                    <a:lumOff val="25000"/>
-                  </a:schemeClr>
-                </a:solidFill>
-                <a:latin typeface="华文楷体" pitchFamily="2" charset="-122"/>
-                <a:ea typeface="华文楷体" pitchFamily="2" charset="-122"/>
-              </a:rPr>
-              <a:t>操作</a:t>
+              <a:t>进行比对，来决定用户是否可以执行此操作</a:t>
             </a:r>
             <a:endParaRPr lang="en-US" altLang="zh-CN" sz="3200" b="1" dirty="0" smtClean="0">
               <a:solidFill>
@@ -8367,20 +8195,7 @@
                 <a:latin typeface="华文楷体" pitchFamily="2" charset="-122"/>
                 <a:ea typeface="华文楷体" pitchFamily="2" charset="-122"/>
               </a:rPr>
-              <a:t>实现</a:t>
-            </a:r>
-            <a:r>
-              <a:rPr lang="zh-CN" altLang="en-US" sz="3200" b="1" dirty="0" smtClean="0">
-                <a:solidFill>
-                  <a:schemeClr val="tx1">
-                    <a:lumMod val="75000"/>
-                    <a:lumOff val="25000"/>
-                  </a:schemeClr>
-                </a:solidFill>
-                <a:latin typeface="华文楷体" pitchFamily="2" charset="-122"/>
-                <a:ea typeface="华文楷体" pitchFamily="2" charset="-122"/>
-              </a:rPr>
-              <a:t>：定义一个基于</a:t>
+              <a:t>实现：定义一个基于</a:t>
             </a:r>
             <a:r>
               <a:rPr lang="en-US" altLang="zh-CN" sz="3200" b="1" dirty="0" smtClean="0">
